--- a/LaTeX/Presentación PPT.pptx
+++ b/LaTeX/Presentación PPT.pptx
@@ -5,7 +5,7 @@
     <p:sldMasterId id="2147483660" r:id="rId1"/>
   </p:sldMasterIdLst>
   <p:notesMasterIdLst>
-    <p:notesMasterId r:id="rId15"/>
+    <p:notesMasterId r:id="rId19"/>
   </p:notesMasterIdLst>
   <p:sldIdLst>
     <p:sldId id="257" r:id="rId2"/>
@@ -18,9 +18,13 @@
     <p:sldId id="264" r:id="rId9"/>
     <p:sldId id="265" r:id="rId10"/>
     <p:sldId id="266" r:id="rId11"/>
-    <p:sldId id="267" r:id="rId12"/>
-    <p:sldId id="271" r:id="rId13"/>
-    <p:sldId id="269" r:id="rId14"/>
+    <p:sldId id="272" r:id="rId12"/>
+    <p:sldId id="273" r:id="rId13"/>
+    <p:sldId id="274" r:id="rId14"/>
+    <p:sldId id="267" r:id="rId15"/>
+    <p:sldId id="275" r:id="rId16"/>
+    <p:sldId id="271" r:id="rId17"/>
+    <p:sldId id="269" r:id="rId18"/>
   </p:sldIdLst>
   <p:sldSz cx="9144000" cy="6858000" type="screen4x3"/>
   <p:notesSz cx="6858000" cy="9144000"/>
@@ -119,6 +123,11 @@
       </a:defRPr>
     </a:lvl9pPr>
   </p:defaultTextStyle>
+  <p:extLst>
+    <p:ext uri="{EFAFB233-063F-42B5-8137-9DF3F51BA10A}">
+      <p15:sldGuideLst xmlns:p15="http://schemas.microsoft.com/office/powerpoint/2012/main"/>
+    </p:ext>
+  </p:extLst>
 </p:presentation>
 </file>
 
@@ -204,7 +213,7 @@
           <a:p>
             <a:fld id="{2886C176-40A3-4334-AF22-9090F4D8C305}" type="datetimeFigureOut">
               <a:rPr lang="es-ES" smtClean="0"/>
-              <a:t>09/05/2018</a:t>
+              <a:t>19/05/2018</a:t>
             </a:fld>
             <a:endParaRPr lang="es-ES"/>
           </a:p>
@@ -639,7 +648,7 @@
     </p:spTree>
     <p:extLst>
       <p:ext uri="{BB962C8B-B14F-4D97-AF65-F5344CB8AC3E}">
-        <p14:creationId xmlns:p14="http://schemas.microsoft.com/office/powerpoint/2010/main" val="333653583"/>
+        <p14:creationId xmlns:p14="http://schemas.microsoft.com/office/powerpoint/2010/main" val="3907821040"/>
       </p:ext>
     </p:extLst>
   </p:cSld>
@@ -728,7 +737,7 @@
     </p:spTree>
     <p:extLst>
       <p:ext uri="{BB962C8B-B14F-4D97-AF65-F5344CB8AC3E}">
-        <p14:creationId xmlns:p14="http://schemas.microsoft.com/office/powerpoint/2010/main" val="2827344701"/>
+        <p14:creationId xmlns:p14="http://schemas.microsoft.com/office/powerpoint/2010/main" val="3711877930"/>
       </p:ext>
     </p:extLst>
   </p:cSld>
@@ -809,6 +818,362 @@
             <a:fld id="{3606004D-6DBE-467E-B9C8-3ECFC1EB986E}" type="slidenum">
               <a:rPr lang="es-ES" smtClean="0"/>
               <a:t>13</a:t>
+            </a:fld>
+            <a:endParaRPr lang="es-ES"/>
+          </a:p>
+        </p:txBody>
+      </p:sp>
+    </p:spTree>
+    <p:extLst>
+      <p:ext uri="{BB962C8B-B14F-4D97-AF65-F5344CB8AC3E}">
+        <p14:creationId xmlns:p14="http://schemas.microsoft.com/office/powerpoint/2010/main" val="1710089032"/>
+      </p:ext>
+    </p:extLst>
+  </p:cSld>
+  <p:clrMapOvr>
+    <a:masterClrMapping/>
+  </p:clrMapOvr>
+</p:notes>
+</file>
+
+<file path=ppt/notesSlides/notesSlide13.xml><?xml version="1.0" encoding="utf-8"?>
+<p:notes xmlns:a="http://schemas.openxmlformats.org/drawingml/2006/main" xmlns:r="http://schemas.openxmlformats.org/officeDocument/2006/relationships" xmlns:p="http://schemas.openxmlformats.org/presentationml/2006/main">
+  <p:cSld>
+    <p:spTree>
+      <p:nvGrpSpPr>
+        <p:cNvPr id="1" name=""/>
+        <p:cNvGrpSpPr/>
+        <p:nvPr/>
+      </p:nvGrpSpPr>
+      <p:grpSpPr>
+        <a:xfrm>
+          <a:off x="0" y="0"/>
+          <a:ext cx="0" cy="0"/>
+          <a:chOff x="0" y="0"/>
+          <a:chExt cx="0" cy="0"/>
+        </a:xfrm>
+      </p:grpSpPr>
+      <p:sp>
+        <p:nvSpPr>
+          <p:cNvPr id="2" name="1 Marcador de imagen de diapositiva"/>
+          <p:cNvSpPr>
+            <a:spLocks noGrp="1" noRot="1" noChangeAspect="1"/>
+          </p:cNvSpPr>
+          <p:nvPr>
+            <p:ph type="sldImg"/>
+          </p:nvPr>
+        </p:nvSpPr>
+        <p:spPr>
+          <a:xfrm>
+            <a:off x="1371600" y="1143000"/>
+            <a:ext cx="4114800" cy="3086100"/>
+          </a:xfrm>
+        </p:spPr>
+      </p:sp>
+      <p:sp>
+        <p:nvSpPr>
+          <p:cNvPr id="3" name="2 Marcador de notas"/>
+          <p:cNvSpPr>
+            <a:spLocks noGrp="1"/>
+          </p:cNvSpPr>
+          <p:nvPr>
+            <p:ph type="body" idx="1"/>
+          </p:nvPr>
+        </p:nvSpPr>
+        <p:spPr/>
+        <p:txBody>
+          <a:bodyPr/>
+          <a:lstStyle/>
+          <a:p>
+            <a:endParaRPr lang="es-ES"/>
+          </a:p>
+        </p:txBody>
+      </p:sp>
+      <p:sp>
+        <p:nvSpPr>
+          <p:cNvPr id="4" name="3 Marcador de número de diapositiva"/>
+          <p:cNvSpPr>
+            <a:spLocks noGrp="1"/>
+          </p:cNvSpPr>
+          <p:nvPr>
+            <p:ph type="sldNum" sz="quarter" idx="10"/>
+          </p:nvPr>
+        </p:nvSpPr>
+        <p:spPr/>
+        <p:txBody>
+          <a:bodyPr/>
+          <a:lstStyle/>
+          <a:p>
+            <a:fld id="{3606004D-6DBE-467E-B9C8-3ECFC1EB986E}" type="slidenum">
+              <a:rPr lang="es-ES" smtClean="0"/>
+              <a:t>14</a:t>
+            </a:fld>
+            <a:endParaRPr lang="es-ES"/>
+          </a:p>
+        </p:txBody>
+      </p:sp>
+    </p:spTree>
+    <p:extLst>
+      <p:ext uri="{BB962C8B-B14F-4D97-AF65-F5344CB8AC3E}">
+        <p14:creationId xmlns:p14="http://schemas.microsoft.com/office/powerpoint/2010/main" val="333653583"/>
+      </p:ext>
+    </p:extLst>
+  </p:cSld>
+  <p:clrMapOvr>
+    <a:masterClrMapping/>
+  </p:clrMapOvr>
+</p:notes>
+</file>
+
+<file path=ppt/notesSlides/notesSlide14.xml><?xml version="1.0" encoding="utf-8"?>
+<p:notes xmlns:a="http://schemas.openxmlformats.org/drawingml/2006/main" xmlns:r="http://schemas.openxmlformats.org/officeDocument/2006/relationships" xmlns:p="http://schemas.openxmlformats.org/presentationml/2006/main">
+  <p:cSld>
+    <p:spTree>
+      <p:nvGrpSpPr>
+        <p:cNvPr id="1" name=""/>
+        <p:cNvGrpSpPr/>
+        <p:nvPr/>
+      </p:nvGrpSpPr>
+      <p:grpSpPr>
+        <a:xfrm>
+          <a:off x="0" y="0"/>
+          <a:ext cx="0" cy="0"/>
+          <a:chOff x="0" y="0"/>
+          <a:chExt cx="0" cy="0"/>
+        </a:xfrm>
+      </p:grpSpPr>
+      <p:sp>
+        <p:nvSpPr>
+          <p:cNvPr id="2" name="1 Marcador de imagen de diapositiva"/>
+          <p:cNvSpPr>
+            <a:spLocks noGrp="1" noRot="1" noChangeAspect="1"/>
+          </p:cNvSpPr>
+          <p:nvPr>
+            <p:ph type="sldImg"/>
+          </p:nvPr>
+        </p:nvSpPr>
+        <p:spPr>
+          <a:xfrm>
+            <a:off x="1371600" y="1143000"/>
+            <a:ext cx="4114800" cy="3086100"/>
+          </a:xfrm>
+        </p:spPr>
+      </p:sp>
+      <p:sp>
+        <p:nvSpPr>
+          <p:cNvPr id="3" name="2 Marcador de notas"/>
+          <p:cNvSpPr>
+            <a:spLocks noGrp="1"/>
+          </p:cNvSpPr>
+          <p:nvPr>
+            <p:ph type="body" idx="1"/>
+          </p:nvPr>
+        </p:nvSpPr>
+        <p:spPr/>
+        <p:txBody>
+          <a:bodyPr/>
+          <a:lstStyle/>
+          <a:p>
+            <a:endParaRPr lang="es-ES"/>
+          </a:p>
+        </p:txBody>
+      </p:sp>
+      <p:sp>
+        <p:nvSpPr>
+          <p:cNvPr id="4" name="3 Marcador de número de diapositiva"/>
+          <p:cNvSpPr>
+            <a:spLocks noGrp="1"/>
+          </p:cNvSpPr>
+          <p:nvPr>
+            <p:ph type="sldNum" sz="quarter" idx="10"/>
+          </p:nvPr>
+        </p:nvSpPr>
+        <p:spPr/>
+        <p:txBody>
+          <a:bodyPr/>
+          <a:lstStyle/>
+          <a:p>
+            <a:fld id="{3606004D-6DBE-467E-B9C8-3ECFC1EB986E}" type="slidenum">
+              <a:rPr lang="es-ES" smtClean="0"/>
+              <a:t>15</a:t>
+            </a:fld>
+            <a:endParaRPr lang="es-ES"/>
+          </a:p>
+        </p:txBody>
+      </p:sp>
+    </p:spTree>
+    <p:extLst>
+      <p:ext uri="{BB962C8B-B14F-4D97-AF65-F5344CB8AC3E}">
+        <p14:creationId xmlns:p14="http://schemas.microsoft.com/office/powerpoint/2010/main" val="151808477"/>
+      </p:ext>
+    </p:extLst>
+  </p:cSld>
+  <p:clrMapOvr>
+    <a:masterClrMapping/>
+  </p:clrMapOvr>
+</p:notes>
+</file>
+
+<file path=ppt/notesSlides/notesSlide15.xml><?xml version="1.0" encoding="utf-8"?>
+<p:notes xmlns:a="http://schemas.openxmlformats.org/drawingml/2006/main" xmlns:r="http://schemas.openxmlformats.org/officeDocument/2006/relationships" xmlns:p="http://schemas.openxmlformats.org/presentationml/2006/main">
+  <p:cSld>
+    <p:spTree>
+      <p:nvGrpSpPr>
+        <p:cNvPr id="1" name=""/>
+        <p:cNvGrpSpPr/>
+        <p:nvPr/>
+      </p:nvGrpSpPr>
+      <p:grpSpPr>
+        <a:xfrm>
+          <a:off x="0" y="0"/>
+          <a:ext cx="0" cy="0"/>
+          <a:chOff x="0" y="0"/>
+          <a:chExt cx="0" cy="0"/>
+        </a:xfrm>
+      </p:grpSpPr>
+      <p:sp>
+        <p:nvSpPr>
+          <p:cNvPr id="2" name="1 Marcador de imagen de diapositiva"/>
+          <p:cNvSpPr>
+            <a:spLocks noGrp="1" noRot="1" noChangeAspect="1"/>
+          </p:cNvSpPr>
+          <p:nvPr>
+            <p:ph type="sldImg"/>
+          </p:nvPr>
+        </p:nvSpPr>
+        <p:spPr>
+          <a:xfrm>
+            <a:off x="1371600" y="1143000"/>
+            <a:ext cx="4114800" cy="3086100"/>
+          </a:xfrm>
+        </p:spPr>
+      </p:sp>
+      <p:sp>
+        <p:nvSpPr>
+          <p:cNvPr id="3" name="2 Marcador de notas"/>
+          <p:cNvSpPr>
+            <a:spLocks noGrp="1"/>
+          </p:cNvSpPr>
+          <p:nvPr>
+            <p:ph type="body" idx="1"/>
+          </p:nvPr>
+        </p:nvSpPr>
+        <p:spPr/>
+        <p:txBody>
+          <a:bodyPr/>
+          <a:lstStyle/>
+          <a:p>
+            <a:endParaRPr lang="es-ES"/>
+          </a:p>
+        </p:txBody>
+      </p:sp>
+      <p:sp>
+        <p:nvSpPr>
+          <p:cNvPr id="4" name="3 Marcador de número de diapositiva"/>
+          <p:cNvSpPr>
+            <a:spLocks noGrp="1"/>
+          </p:cNvSpPr>
+          <p:nvPr>
+            <p:ph type="sldNum" sz="quarter" idx="10"/>
+          </p:nvPr>
+        </p:nvSpPr>
+        <p:spPr/>
+        <p:txBody>
+          <a:bodyPr/>
+          <a:lstStyle/>
+          <a:p>
+            <a:fld id="{3606004D-6DBE-467E-B9C8-3ECFC1EB986E}" type="slidenum">
+              <a:rPr lang="es-ES" smtClean="0"/>
+              <a:t>16</a:t>
+            </a:fld>
+            <a:endParaRPr lang="es-ES"/>
+          </a:p>
+        </p:txBody>
+      </p:sp>
+    </p:spTree>
+    <p:extLst>
+      <p:ext uri="{BB962C8B-B14F-4D97-AF65-F5344CB8AC3E}">
+        <p14:creationId xmlns:p14="http://schemas.microsoft.com/office/powerpoint/2010/main" val="2827344701"/>
+      </p:ext>
+    </p:extLst>
+  </p:cSld>
+  <p:clrMapOvr>
+    <a:masterClrMapping/>
+  </p:clrMapOvr>
+</p:notes>
+</file>
+
+<file path=ppt/notesSlides/notesSlide16.xml><?xml version="1.0" encoding="utf-8"?>
+<p:notes xmlns:a="http://schemas.openxmlformats.org/drawingml/2006/main" xmlns:r="http://schemas.openxmlformats.org/officeDocument/2006/relationships" xmlns:p="http://schemas.openxmlformats.org/presentationml/2006/main">
+  <p:cSld>
+    <p:spTree>
+      <p:nvGrpSpPr>
+        <p:cNvPr id="1" name=""/>
+        <p:cNvGrpSpPr/>
+        <p:nvPr/>
+      </p:nvGrpSpPr>
+      <p:grpSpPr>
+        <a:xfrm>
+          <a:off x="0" y="0"/>
+          <a:ext cx="0" cy="0"/>
+          <a:chOff x="0" y="0"/>
+          <a:chExt cx="0" cy="0"/>
+        </a:xfrm>
+      </p:grpSpPr>
+      <p:sp>
+        <p:nvSpPr>
+          <p:cNvPr id="2" name="1 Marcador de imagen de diapositiva"/>
+          <p:cNvSpPr>
+            <a:spLocks noGrp="1" noRot="1" noChangeAspect="1"/>
+          </p:cNvSpPr>
+          <p:nvPr>
+            <p:ph type="sldImg"/>
+          </p:nvPr>
+        </p:nvSpPr>
+        <p:spPr>
+          <a:xfrm>
+            <a:off x="1371600" y="1143000"/>
+            <a:ext cx="4114800" cy="3086100"/>
+          </a:xfrm>
+        </p:spPr>
+      </p:sp>
+      <p:sp>
+        <p:nvSpPr>
+          <p:cNvPr id="3" name="2 Marcador de notas"/>
+          <p:cNvSpPr>
+            <a:spLocks noGrp="1"/>
+          </p:cNvSpPr>
+          <p:nvPr>
+            <p:ph type="body" idx="1"/>
+          </p:nvPr>
+        </p:nvSpPr>
+        <p:spPr/>
+        <p:txBody>
+          <a:bodyPr/>
+          <a:lstStyle/>
+          <a:p>
+            <a:endParaRPr lang="es-ES"/>
+          </a:p>
+        </p:txBody>
+      </p:sp>
+      <p:sp>
+        <p:nvSpPr>
+          <p:cNvPr id="4" name="3 Marcador de número de diapositiva"/>
+          <p:cNvSpPr>
+            <a:spLocks noGrp="1"/>
+          </p:cNvSpPr>
+          <p:nvPr>
+            <p:ph type="sldNum" sz="quarter" idx="10"/>
+          </p:nvPr>
+        </p:nvSpPr>
+        <p:spPr/>
+        <p:txBody>
+          <a:bodyPr/>
+          <a:lstStyle/>
+          <a:p>
+            <a:fld id="{3606004D-6DBE-467E-B9C8-3ECFC1EB986E}" type="slidenum">
+              <a:rPr lang="es-ES" smtClean="0"/>
+              <a:t>17</a:t>
             </a:fld>
             <a:endParaRPr lang="es-ES"/>
           </a:p>
@@ -1670,7 +2035,7 @@
           <a:p>
             <a:fld id="{3610FFBF-D111-43B9-88B9-66ABD7E53AD2}" type="datetimeFigureOut">
               <a:rPr lang="es-ES" smtClean="0"/>
-              <a:t>09/05/2018</a:t>
+              <a:t>19/05/2018</a:t>
             </a:fld>
             <a:endParaRPr lang="es-ES"/>
           </a:p>
@@ -1840,7 +2205,7 @@
           <a:p>
             <a:fld id="{3610FFBF-D111-43B9-88B9-66ABD7E53AD2}" type="datetimeFigureOut">
               <a:rPr lang="es-ES" smtClean="0"/>
-              <a:t>09/05/2018</a:t>
+              <a:t>19/05/2018</a:t>
             </a:fld>
             <a:endParaRPr lang="es-ES"/>
           </a:p>
@@ -2020,7 +2385,7 @@
           <a:p>
             <a:fld id="{3610FFBF-D111-43B9-88B9-66ABD7E53AD2}" type="datetimeFigureOut">
               <a:rPr lang="es-ES" smtClean="0"/>
-              <a:t>09/05/2018</a:t>
+              <a:t>19/05/2018</a:t>
             </a:fld>
             <a:endParaRPr lang="es-ES"/>
           </a:p>
@@ -2190,7 +2555,7 @@
           <a:p>
             <a:fld id="{3610FFBF-D111-43B9-88B9-66ABD7E53AD2}" type="datetimeFigureOut">
               <a:rPr lang="es-ES" smtClean="0"/>
-              <a:t>09/05/2018</a:t>
+              <a:t>19/05/2018</a:t>
             </a:fld>
             <a:endParaRPr lang="es-ES"/>
           </a:p>
@@ -2434,7 +2799,7 @@
           <a:p>
             <a:fld id="{3610FFBF-D111-43B9-88B9-66ABD7E53AD2}" type="datetimeFigureOut">
               <a:rPr lang="es-ES" smtClean="0"/>
-              <a:t>09/05/2018</a:t>
+              <a:t>19/05/2018</a:t>
             </a:fld>
             <a:endParaRPr lang="es-ES"/>
           </a:p>
@@ -2666,7 +3031,7 @@
           <a:p>
             <a:fld id="{3610FFBF-D111-43B9-88B9-66ABD7E53AD2}" type="datetimeFigureOut">
               <a:rPr lang="es-ES" smtClean="0"/>
-              <a:t>09/05/2018</a:t>
+              <a:t>19/05/2018</a:t>
             </a:fld>
             <a:endParaRPr lang="es-ES"/>
           </a:p>
@@ -3033,7 +3398,7 @@
           <a:p>
             <a:fld id="{3610FFBF-D111-43B9-88B9-66ABD7E53AD2}" type="datetimeFigureOut">
               <a:rPr lang="es-ES" smtClean="0"/>
-              <a:t>09/05/2018</a:t>
+              <a:t>19/05/2018</a:t>
             </a:fld>
             <a:endParaRPr lang="es-ES"/>
           </a:p>
@@ -3151,7 +3516,7 @@
           <a:p>
             <a:fld id="{3610FFBF-D111-43B9-88B9-66ABD7E53AD2}" type="datetimeFigureOut">
               <a:rPr lang="es-ES" smtClean="0"/>
-              <a:t>09/05/2018</a:t>
+              <a:t>19/05/2018</a:t>
             </a:fld>
             <a:endParaRPr lang="es-ES"/>
           </a:p>
@@ -3246,7 +3611,7 @@
           <a:p>
             <a:fld id="{3610FFBF-D111-43B9-88B9-66ABD7E53AD2}" type="datetimeFigureOut">
               <a:rPr lang="es-ES" smtClean="0"/>
-              <a:t>09/05/2018</a:t>
+              <a:t>19/05/2018</a:t>
             </a:fld>
             <a:endParaRPr lang="es-ES"/>
           </a:p>
@@ -3523,7 +3888,7 @@
           <a:p>
             <a:fld id="{3610FFBF-D111-43B9-88B9-66ABD7E53AD2}" type="datetimeFigureOut">
               <a:rPr lang="es-ES" smtClean="0"/>
-              <a:t>09/05/2018</a:t>
+              <a:t>19/05/2018</a:t>
             </a:fld>
             <a:endParaRPr lang="es-ES"/>
           </a:p>
@@ -3780,7 +4145,7 @@
           <a:p>
             <a:fld id="{3610FFBF-D111-43B9-88B9-66ABD7E53AD2}" type="datetimeFigureOut">
               <a:rPr lang="es-ES" smtClean="0"/>
-              <a:t>09/05/2018</a:t>
+              <a:t>19/05/2018</a:t>
             </a:fld>
             <a:endParaRPr lang="es-ES"/>
           </a:p>
@@ -3993,7 +4358,7 @@
           <a:p>
             <a:fld id="{3610FFBF-D111-43B9-88B9-66ABD7E53AD2}" type="datetimeFigureOut">
               <a:rPr lang="es-ES" smtClean="0"/>
-              <a:t>09/05/2018</a:t>
+              <a:t>19/05/2018</a:t>
             </a:fld>
             <a:endParaRPr lang="es-ES"/>
           </a:p>
@@ -4679,6 +5044,55 @@
           <a:chExt cx="0" cy="0"/>
         </a:xfrm>
       </p:grpSpPr>
+      <p:pic>
+        <p:nvPicPr>
+          <p:cNvPr id="11" name="Picture 2" descr="Resultado de imagen de simbolo drone">
+            <a:hlinkClick r:id="rId3"/>
+            <a:extLst>
+              <a:ext uri="{FF2B5EF4-FFF2-40B4-BE49-F238E27FC236}">
+                <a16:creationId xmlns:a16="http://schemas.microsoft.com/office/drawing/2014/main" id="{BD8636FC-6FAA-4648-A4C1-F7E8142457D4}"/>
+              </a:ext>
+            </a:extLst>
+          </p:cNvPr>
+          <p:cNvPicPr>
+            <a:picLocks noChangeAspect="1" noChangeArrowheads="1"/>
+          </p:cNvPicPr>
+          <p:nvPr/>
+        </p:nvPicPr>
+        <p:blipFill>
+          <a:blip r:embed="rId4">
+            <a:lum bright="70000" contrast="-70000"/>
+            <a:extLst>
+              <a:ext uri="{28A0092B-C50C-407E-A947-70E740481C1C}">
+                <a14:useLocalDpi xmlns:a14="http://schemas.microsoft.com/office/drawing/2010/main" val="0"/>
+              </a:ext>
+            </a:extLst>
+          </a:blip>
+          <a:srcRect/>
+          <a:stretch>
+            <a:fillRect/>
+          </a:stretch>
+        </p:blipFill>
+        <p:spPr bwMode="auto">
+          <a:xfrm>
+            <a:off x="-3403639" y="45477"/>
+            <a:ext cx="6750129" cy="6767046"/>
+          </a:xfrm>
+          <a:prstGeom prst="rect">
+            <a:avLst/>
+          </a:prstGeom>
+          <a:noFill/>
+          <a:extLst>
+            <a:ext uri="{909E8E84-426E-40DD-AFC4-6F175D3DCCD1}">
+              <a14:hiddenFill xmlns:a14="http://schemas.microsoft.com/office/drawing/2010/main">
+                <a:solidFill>
+                  <a:srgbClr val="FFFFFF"/>
+                </a:solidFill>
+              </a14:hiddenFill>
+            </a:ext>
+          </a:extLst>
+        </p:spPr>
+      </p:pic>
       <p:sp>
         <p:nvSpPr>
           <p:cNvPr id="2" name="1 Título"/>
@@ -4726,7 +5140,7 @@
         </p:nvSpPr>
         <p:spPr>
           <a:xfrm>
-            <a:off x="628650" y="1419721"/>
+            <a:off x="628650" y="1268760"/>
             <a:ext cx="7886700" cy="5108304"/>
           </a:xfrm>
         </p:spPr>
@@ -4843,7 +5257,7 @@
           <p:nvPr/>
         </p:nvPicPr>
         <p:blipFill>
-          <a:blip r:embed="rId3">
+          <a:blip r:embed="rId5">
             <a:extLst>
               <a:ext uri="{28A0092B-C50C-407E-A947-70E740481C1C}">
                 <a14:useLocalDpi xmlns:a14="http://schemas.microsoft.com/office/drawing/2010/main" val="0"/>
@@ -4873,7 +5287,7 @@
           <p:nvPr/>
         </p:nvPicPr>
         <p:blipFill>
-          <a:blip r:embed="rId4" cstate="print">
+          <a:blip r:embed="rId6" cstate="print">
             <a:extLst>
               <a:ext uri="{28A0092B-C50C-407E-A947-70E740481C1C}">
                 <a14:useLocalDpi xmlns:a14="http://schemas.microsoft.com/office/drawing/2010/main" val="0"/>
@@ -4909,7 +5323,7 @@
           <p:nvPr/>
         </p:nvPicPr>
         <p:blipFill>
-          <a:blip r:embed="rId5"/>
+          <a:blip r:embed="rId7"/>
           <a:stretch>
             <a:fillRect/>
           </a:stretch>
@@ -4962,6 +5376,111 @@
           </a:fontRef>
         </p:style>
       </p:cxnSp>
+      <p:pic>
+        <p:nvPicPr>
+          <p:cNvPr id="17" name="Imagen 16" descr="Imagen que contiene texto, mapa&#10;&#10;Descripción generada con confianza muy alta">
+            <a:extLst>
+              <a:ext uri="{FF2B5EF4-FFF2-40B4-BE49-F238E27FC236}">
+                <a16:creationId xmlns:a16="http://schemas.microsoft.com/office/drawing/2014/main" id="{CCA0B141-0B95-4092-AEC8-AECB340FC2AA}"/>
+              </a:ext>
+            </a:extLst>
+          </p:cNvPr>
+          <p:cNvPicPr>
+            <a:picLocks noChangeAspect="1"/>
+          </p:cNvPicPr>
+          <p:nvPr/>
+        </p:nvPicPr>
+        <p:blipFill rotWithShape="1">
+          <a:blip r:embed="rId8">
+            <a:extLst>
+              <a:ext uri="{28A0092B-C50C-407E-A947-70E740481C1C}">
+                <a14:useLocalDpi xmlns:a14="http://schemas.microsoft.com/office/drawing/2010/main" val="0"/>
+              </a:ext>
+            </a:extLst>
+          </a:blip>
+          <a:srcRect l="6535" t="18458" r="5945"/>
+          <a:stretch/>
+        </p:blipFill>
+        <p:spPr>
+          <a:xfrm>
+            <a:off x="-28575" y="2370082"/>
+            <a:ext cx="5117410" cy="2551510"/>
+          </a:xfrm>
+          <a:prstGeom prst="rect">
+            <a:avLst/>
+          </a:prstGeom>
+        </p:spPr>
+      </p:pic>
+      <p:pic>
+        <p:nvPicPr>
+          <p:cNvPr id="19" name="Imagen 18" descr="Imagen que contiene interior, mapa&#10;&#10;Descripción generada con confianza alta">
+            <a:extLst>
+              <a:ext uri="{FF2B5EF4-FFF2-40B4-BE49-F238E27FC236}">
+                <a16:creationId xmlns:a16="http://schemas.microsoft.com/office/drawing/2014/main" id="{05E1ACFF-51CB-48F3-B219-C51028AF7FCF}"/>
+              </a:ext>
+            </a:extLst>
+          </p:cNvPr>
+          <p:cNvPicPr>
+            <a:picLocks noChangeAspect="1"/>
+          </p:cNvPicPr>
+          <p:nvPr/>
+        </p:nvPicPr>
+        <p:blipFill rotWithShape="1">
+          <a:blip r:embed="rId9">
+            <a:extLst>
+              <a:ext uri="{28A0092B-C50C-407E-A947-70E740481C1C}">
+                <a14:useLocalDpi xmlns:a14="http://schemas.microsoft.com/office/drawing/2010/main" val="0"/>
+              </a:ext>
+            </a:extLst>
+          </a:blip>
+          <a:srcRect l="10886" r="17402"/>
+          <a:stretch/>
+        </p:blipFill>
+        <p:spPr>
+          <a:xfrm>
+            <a:off x="4841592" y="2202997"/>
+            <a:ext cx="4134678" cy="2640292"/>
+          </a:xfrm>
+          <a:prstGeom prst="rect">
+            <a:avLst/>
+          </a:prstGeom>
+        </p:spPr>
+      </p:pic>
+      <p:sp>
+        <p:nvSpPr>
+          <p:cNvPr id="20" name="CuadroTexto 19">
+            <a:extLst>
+              <a:ext uri="{FF2B5EF4-FFF2-40B4-BE49-F238E27FC236}">
+                <a16:creationId xmlns:a16="http://schemas.microsoft.com/office/drawing/2014/main" id="{62170B89-6B3E-4BCF-902D-36165283464F}"/>
+              </a:ext>
+            </a:extLst>
+          </p:cNvPr>
+          <p:cNvSpPr txBox="1"/>
+          <p:nvPr/>
+        </p:nvSpPr>
+        <p:spPr>
+          <a:xfrm>
+            <a:off x="532374" y="5198270"/>
+            <a:ext cx="8079252" cy="369332"/>
+          </a:xfrm>
+          <a:prstGeom prst="rect">
+            <a:avLst/>
+          </a:prstGeom>
+          <a:noFill/>
+        </p:spPr>
+        <p:txBody>
+          <a:bodyPr wrap="square" rtlCol="0">
+            <a:spAutoFit/>
+          </a:bodyPr>
+          <a:lstStyle/>
+          <a:p>
+            <a:r>
+              <a:rPr lang="es-ES" dirty="0"/>
+              <a:t>	Recorrido puntos separados				Recorrido en trayectoria continua</a:t>
+            </a:r>
+          </a:p>
+        </p:txBody>
+      </p:sp>
     </p:spTree>
     <p:extLst>
       <p:ext uri="{BB962C8B-B14F-4D97-AF65-F5344CB8AC3E}">
@@ -4992,6 +5511,127 @@
           <a:chExt cx="0" cy="0"/>
         </a:xfrm>
       </p:grpSpPr>
+      <p:pic>
+        <p:nvPicPr>
+          <p:cNvPr id="11" name="Picture 2" descr="Resultado de imagen de simbolo drone">
+            <a:hlinkClick r:id="rId3"/>
+            <a:extLst>
+              <a:ext uri="{FF2B5EF4-FFF2-40B4-BE49-F238E27FC236}">
+                <a16:creationId xmlns:a16="http://schemas.microsoft.com/office/drawing/2014/main" id="{BD8636FC-6FAA-4648-A4C1-F7E8142457D4}"/>
+              </a:ext>
+            </a:extLst>
+          </p:cNvPr>
+          <p:cNvPicPr>
+            <a:picLocks noChangeAspect="1" noChangeArrowheads="1"/>
+          </p:cNvPicPr>
+          <p:nvPr/>
+        </p:nvPicPr>
+        <p:blipFill>
+          <a:blip r:embed="rId4">
+            <a:lum bright="70000" contrast="-70000"/>
+            <a:extLst>
+              <a:ext uri="{28A0092B-C50C-407E-A947-70E740481C1C}">
+                <a14:useLocalDpi xmlns:a14="http://schemas.microsoft.com/office/drawing/2010/main" val="0"/>
+              </a:ext>
+            </a:extLst>
+          </a:blip>
+          <a:srcRect/>
+          <a:stretch>
+            <a:fillRect/>
+          </a:stretch>
+        </p:blipFill>
+        <p:spPr bwMode="auto">
+          <a:xfrm>
+            <a:off x="-3403639" y="45477"/>
+            <a:ext cx="6750129" cy="6767046"/>
+          </a:xfrm>
+          <a:prstGeom prst="rect">
+            <a:avLst/>
+          </a:prstGeom>
+          <a:noFill/>
+          <a:extLst>
+            <a:ext uri="{909E8E84-426E-40DD-AFC4-6F175D3DCCD1}">
+              <a14:hiddenFill xmlns:a14="http://schemas.microsoft.com/office/drawing/2010/main">
+                <a:solidFill>
+                  <a:srgbClr val="FFFFFF"/>
+                </a:solidFill>
+              </a14:hiddenFill>
+            </a:ext>
+          </a:extLst>
+        </p:spPr>
+      </p:pic>
+      <p:pic>
+        <p:nvPicPr>
+          <p:cNvPr id="14" name="Imagen 13" descr="Imagen que contiene objeto&#10;&#10;Descripción generada con confianza muy alta">
+            <a:extLst>
+              <a:ext uri="{FF2B5EF4-FFF2-40B4-BE49-F238E27FC236}">
+                <a16:creationId xmlns:a16="http://schemas.microsoft.com/office/drawing/2014/main" id="{D269DB99-59A5-4DE2-ABD7-09440E1B609C}"/>
+              </a:ext>
+            </a:extLst>
+          </p:cNvPr>
+          <p:cNvPicPr>
+            <a:picLocks noChangeAspect="1"/>
+          </p:cNvPicPr>
+          <p:nvPr/>
+        </p:nvPicPr>
+        <p:blipFill>
+          <a:blip r:embed="rId5">
+            <a:extLst>
+              <a:ext uri="{28A0092B-C50C-407E-A947-70E740481C1C}">
+                <a14:useLocalDpi xmlns:a14="http://schemas.microsoft.com/office/drawing/2010/main" val="0"/>
+              </a:ext>
+            </a:extLst>
+          </a:blip>
+          <a:stretch>
+            <a:fillRect/>
+          </a:stretch>
+        </p:blipFill>
+        <p:spPr>
+          <a:xfrm>
+            <a:off x="452582" y="3610668"/>
+            <a:ext cx="7150404" cy="2808863"/>
+          </a:xfrm>
+          <a:prstGeom prst="rect">
+            <a:avLst/>
+          </a:prstGeom>
+        </p:spPr>
+      </p:pic>
+      <p:pic>
+        <p:nvPicPr>
+          <p:cNvPr id="6" name="Imagen 5" descr="Imagen que contiene objeto&#10;&#10;Descripción generada con confianza muy alta">
+            <a:extLst>
+              <a:ext uri="{FF2B5EF4-FFF2-40B4-BE49-F238E27FC236}">
+                <a16:creationId xmlns:a16="http://schemas.microsoft.com/office/drawing/2014/main" id="{7AE8B866-28F9-457D-B845-0E5631F49D51}"/>
+              </a:ext>
+            </a:extLst>
+          </p:cNvPr>
+          <p:cNvPicPr>
+            <a:picLocks noChangeAspect="1"/>
+          </p:cNvPicPr>
+          <p:nvPr/>
+        </p:nvPicPr>
+        <p:blipFill>
+          <a:blip r:embed="rId6">
+            <a:extLst>
+              <a:ext uri="{28A0092B-C50C-407E-A947-70E740481C1C}">
+                <a14:useLocalDpi xmlns:a14="http://schemas.microsoft.com/office/drawing/2010/main" val="0"/>
+              </a:ext>
+            </a:extLst>
+          </a:blip>
+          <a:stretch>
+            <a:fillRect/>
+          </a:stretch>
+        </p:blipFill>
+        <p:spPr>
+          <a:xfrm>
+            <a:off x="452582" y="1694639"/>
+            <a:ext cx="7102266" cy="2466544"/>
+          </a:xfrm>
+          <a:prstGeom prst="rect">
+            <a:avLst/>
+          </a:prstGeom>
+        </p:spPr>
+      </p:pic>
       <p:sp>
         <p:nvSpPr>
           <p:cNvPr id="2" name="1 Título"/>
@@ -5021,7 +5661,7 @@
                   <a:srgbClr val="0070C0"/>
                 </a:solidFill>
               </a:rPr>
-              <a:t>Experimentos (III)</a:t>
+              <a:t>Experimentos (II)</a:t>
             </a:r>
             <a:endParaRPr lang="es-ES" sz="4000" b="1" dirty="0"/>
           </a:p>
@@ -5039,7 +5679,7 @@
         </p:nvSpPr>
         <p:spPr>
           <a:xfrm>
-            <a:off x="628650" y="1419721"/>
+            <a:off x="628650" y="1056516"/>
             <a:ext cx="7886700" cy="5108304"/>
           </a:xfrm>
         </p:spPr>
@@ -5058,7 +5698,7 @@
             </a:pPr>
             <a:r>
               <a:rPr lang="es-ES" dirty="0"/>
-              <a:t>Pruebas integrales del sistema</a:t>
+              <a:t>Pruebas unitarias Pilotaje</a:t>
             </a:r>
           </a:p>
         </p:txBody>
@@ -5083,7 +5723,7 @@
           <a:bodyPr/>
           <a:lstStyle/>
           <a:p>
-            <a:pPr algn="l"/>
+            <a:pPr algn="ctr"/>
             <a:r>
               <a:rPr lang="es-ES" dirty="0">
                 <a:latin typeface="Verdana" panose="020B0604030504040204" pitchFamily="34" charset="0"/>
@@ -5097,7 +5737,7 @@
                 <a:ea typeface="Verdana" panose="020B0604030504040204" pitchFamily="34" charset="0"/>
                 <a:cs typeface="Verdana" panose="020B0604030504040204" pitchFamily="34" charset="0"/>
               </a:rPr>
-              <a:t>Jesús Saiz Colomina </a:t>
+              <a:t>Jesús Saiz Colomina</a:t>
             </a:r>
             <a:r>
               <a:rPr lang="es-ES" dirty="0">
@@ -5105,11 +5745,11 @@
                 <a:ea typeface="Verdana" panose="020B0604030504040204" pitchFamily="34" charset="0"/>
                 <a:cs typeface="Verdana" panose="020B0604030504040204" pitchFamily="34" charset="0"/>
               </a:rPr>
-              <a:t>       </a:t>
+              <a:t>	</a:t>
             </a:r>
             <a:r>
               <a:rPr lang="es-ES" b="1" dirty="0"/>
-              <a:t>Programación de un drone para seguimiento autónomo de trayectorias en 3D                            10</a:t>
+              <a:t>Programación de un drone para seguimiento autónomo de trayectorias en 3D		 	9</a:t>
             </a:r>
             <a:endParaRPr lang="es-ES" dirty="0"/>
           </a:p>
@@ -5156,7 +5796,7 @@
           <p:nvPr/>
         </p:nvPicPr>
         <p:blipFill>
-          <a:blip r:embed="rId3">
+          <a:blip r:embed="rId7">
             <a:extLst>
               <a:ext uri="{28A0092B-C50C-407E-A947-70E740481C1C}">
                 <a14:useLocalDpi xmlns:a14="http://schemas.microsoft.com/office/drawing/2010/main" val="0"/>
@@ -5186,7 +5826,7 @@
           <p:nvPr/>
         </p:nvPicPr>
         <p:blipFill>
-          <a:blip r:embed="rId4" cstate="print">
+          <a:blip r:embed="rId8" cstate="print">
             <a:extLst>
               <a:ext uri="{28A0092B-C50C-407E-A947-70E740481C1C}">
                 <a14:useLocalDpi xmlns:a14="http://schemas.microsoft.com/office/drawing/2010/main" val="0"/>
@@ -5222,7 +5862,7 @@
           <p:nvPr/>
         </p:nvPicPr>
         <p:blipFill>
-          <a:blip r:embed="rId5"/>
+          <a:blip r:embed="rId9"/>
           <a:stretch>
             <a:fillRect/>
           </a:stretch>
@@ -5275,10 +5915,111 @@
           </a:fontRef>
         </p:style>
       </p:cxnSp>
+      <p:sp>
+        <p:nvSpPr>
+          <p:cNvPr id="15" name="CuadroTexto 14">
+            <a:extLst>
+              <a:ext uri="{FF2B5EF4-FFF2-40B4-BE49-F238E27FC236}">
+                <a16:creationId xmlns:a16="http://schemas.microsoft.com/office/drawing/2014/main" id="{7DDC14F7-2B96-4850-8C13-8080F675445F}"/>
+              </a:ext>
+            </a:extLst>
+          </p:cNvPr>
+          <p:cNvSpPr txBox="1"/>
+          <p:nvPr/>
+        </p:nvSpPr>
+        <p:spPr>
+          <a:xfrm>
+            <a:off x="7499650" y="2084088"/>
+            <a:ext cx="1588660" cy="3970318"/>
+          </a:xfrm>
+          <a:prstGeom prst="rect">
+            <a:avLst/>
+          </a:prstGeom>
+          <a:noFill/>
+        </p:spPr>
+        <p:txBody>
+          <a:bodyPr wrap="square" rtlCol="0">
+            <a:spAutoFit/>
+          </a:bodyPr>
+          <a:lstStyle/>
+          <a:p>
+            <a:r>
+              <a:rPr lang="es-ES" dirty="0"/>
+              <a:t>Piloto Nuevo:</a:t>
+            </a:r>
+          </a:p>
+          <a:p>
+            <a:r>
+              <a:rPr lang="es-ES" dirty="0"/>
+              <a:t>1</a:t>
+            </a:r>
+          </a:p>
+          <a:p>
+            <a:r>
+              <a:rPr lang="es-ES" dirty="0"/>
+              <a:t>1</a:t>
+            </a:r>
+          </a:p>
+          <a:p>
+            <a:r>
+              <a:rPr lang="es-ES" dirty="0"/>
+              <a:t>1</a:t>
+            </a:r>
+          </a:p>
+          <a:p>
+            <a:r>
+              <a:rPr lang="es-ES" dirty="0"/>
+              <a:t>1</a:t>
+            </a:r>
+          </a:p>
+          <a:p>
+            <a:endParaRPr lang="es-ES" dirty="0"/>
+          </a:p>
+          <a:p>
+            <a:endParaRPr lang="es-ES" dirty="0"/>
+          </a:p>
+          <a:p>
+            <a:endParaRPr lang="es-ES" dirty="0"/>
+          </a:p>
+          <a:p>
+            <a:endParaRPr lang="es-ES" dirty="0"/>
+          </a:p>
+          <a:p>
+            <a:r>
+              <a:rPr lang="es-ES" dirty="0"/>
+              <a:t>Piloto Antiguo:</a:t>
+            </a:r>
+          </a:p>
+          <a:p>
+            <a:r>
+              <a:rPr lang="es-ES" dirty="0"/>
+              <a:t>2</a:t>
+            </a:r>
+          </a:p>
+          <a:p>
+            <a:r>
+              <a:rPr lang="es-ES" dirty="0"/>
+              <a:t>2</a:t>
+            </a:r>
+          </a:p>
+          <a:p>
+            <a:r>
+              <a:rPr lang="es-ES" dirty="0"/>
+              <a:t>2</a:t>
+            </a:r>
+          </a:p>
+          <a:p>
+            <a:r>
+              <a:rPr lang="es-ES" dirty="0"/>
+              <a:t>2</a:t>
+            </a:r>
+          </a:p>
+        </p:txBody>
+      </p:sp>
     </p:spTree>
     <p:extLst>
       <p:ext uri="{BB962C8B-B14F-4D97-AF65-F5344CB8AC3E}">
-        <p14:creationId xmlns:p14="http://schemas.microsoft.com/office/powerpoint/2010/main" val="2276189941"/>
+        <p14:creationId xmlns:p14="http://schemas.microsoft.com/office/powerpoint/2010/main" val="529325980"/>
       </p:ext>
     </p:extLst>
   </p:cSld>
@@ -5305,6 +6046,55 @@
           <a:chExt cx="0" cy="0"/>
         </a:xfrm>
       </p:grpSpPr>
+      <p:pic>
+        <p:nvPicPr>
+          <p:cNvPr id="11" name="Picture 2" descr="Resultado de imagen de simbolo drone">
+            <a:hlinkClick r:id="rId3"/>
+            <a:extLst>
+              <a:ext uri="{FF2B5EF4-FFF2-40B4-BE49-F238E27FC236}">
+                <a16:creationId xmlns:a16="http://schemas.microsoft.com/office/drawing/2014/main" id="{BD8636FC-6FAA-4648-A4C1-F7E8142457D4}"/>
+              </a:ext>
+            </a:extLst>
+          </p:cNvPr>
+          <p:cNvPicPr>
+            <a:picLocks noChangeAspect="1" noChangeArrowheads="1"/>
+          </p:cNvPicPr>
+          <p:nvPr/>
+        </p:nvPicPr>
+        <p:blipFill>
+          <a:blip r:embed="rId4">
+            <a:lum bright="70000" contrast="-70000"/>
+            <a:extLst>
+              <a:ext uri="{28A0092B-C50C-407E-A947-70E740481C1C}">
+                <a14:useLocalDpi xmlns:a14="http://schemas.microsoft.com/office/drawing/2010/main" val="0"/>
+              </a:ext>
+            </a:extLst>
+          </a:blip>
+          <a:srcRect/>
+          <a:stretch>
+            <a:fillRect/>
+          </a:stretch>
+        </p:blipFill>
+        <p:spPr bwMode="auto">
+          <a:xfrm>
+            <a:off x="-3403639" y="45477"/>
+            <a:ext cx="6750129" cy="6767046"/>
+          </a:xfrm>
+          <a:prstGeom prst="rect">
+            <a:avLst/>
+          </a:prstGeom>
+          <a:noFill/>
+          <a:extLst>
+            <a:ext uri="{909E8E84-426E-40DD-AFC4-6F175D3DCCD1}">
+              <a14:hiddenFill xmlns:a14="http://schemas.microsoft.com/office/drawing/2010/main">
+                <a:solidFill>
+                  <a:srgbClr val="FFFFFF"/>
+                </a:solidFill>
+              </a14:hiddenFill>
+            </a:ext>
+          </a:extLst>
+        </p:spPr>
+      </p:pic>
       <p:sp>
         <p:nvSpPr>
           <p:cNvPr id="2" name="1 Título"/>
@@ -5329,14 +6119,14 @@
           <a:p>
             <a:pPr algn="ctr"/>
             <a:r>
-              <a:rPr lang="es-ES" b="1" dirty="0">
+              <a:rPr lang="es-ES" sz="4000" b="1" dirty="0">
                 <a:solidFill>
                   <a:srgbClr val="0070C0"/>
                 </a:solidFill>
               </a:rPr>
-              <a:t>Conclusiones</a:t>
-            </a:r>
-            <a:endParaRPr lang="es-ES" b="1" dirty="0"/>
+              <a:t>Experimentos (II)</a:t>
+            </a:r>
+            <a:endParaRPr lang="es-ES" sz="4000" b="1" dirty="0"/>
           </a:p>
         </p:txBody>
       </p:sp>
@@ -5352,8 +6142,8 @@
         </p:nvSpPr>
         <p:spPr>
           <a:xfrm>
-            <a:off x="628650" y="3490031"/>
-            <a:ext cx="7886700" cy="2526137"/>
+            <a:off x="628435" y="1155868"/>
+            <a:ext cx="7886700" cy="5108304"/>
           </a:xfrm>
         </p:spPr>
         <p:txBody>
@@ -5362,62 +6152,69 @@
           </a:bodyPr>
           <a:lstStyle/>
           <a:p>
-            <a:pPr marL="0" indent="0" algn="ctr">
+            <a:pPr algn="just">
               <a:lnSpc>
-                <a:spcPct val="150000"/>
-              </a:lnSpc>
-              <a:buNone/>
-            </a:pPr>
-            <a:r>
-              <a:rPr lang="es-ES" b="1" dirty="0">
-                <a:solidFill>
-                  <a:schemeClr val="accent1">
-                    <a:lumMod val="60000"/>
-                    <a:lumOff val="40000"/>
-                  </a:schemeClr>
-                </a:solidFill>
-              </a:rPr>
-              <a:t>Subobjetivos</a:t>
-            </a:r>
-          </a:p>
-          <a:p>
-            <a:pPr>
-              <a:lnSpc>
-                <a:spcPct val="100000"/>
+                <a:spcPct val="170000"/>
               </a:lnSpc>
               <a:buFont typeface="Wingdings" panose="05000000000000000000" pitchFamily="2" charset="2"/>
               <a:buChar char="§"/>
             </a:pPr>
             <a:r>
-              <a:rPr lang="es-ES" sz="2000" dirty="0"/>
-              <a:t>Adaptación e integración de componentes y herramientas </a:t>
-            </a:r>
-          </a:p>
-          <a:p>
-            <a:pPr>
-              <a:lnSpc>
-                <a:spcPct val="150000"/>
-              </a:lnSpc>
-              <a:buFont typeface="Wingdings" panose="05000000000000000000" pitchFamily="2" charset="2"/>
-              <a:buChar char="§"/>
-            </a:pPr>
-            <a:r>
-              <a:rPr lang="es-ES" sz="2000" dirty="0"/>
-              <a:t>Desarrollo del algoritmo de navegación</a:t>
-            </a:r>
-          </a:p>
-          <a:p>
-            <a:pPr>
-              <a:lnSpc>
-                <a:spcPct val="150000"/>
-              </a:lnSpc>
-              <a:buFont typeface="Wingdings" panose="05000000000000000000" pitchFamily="2" charset="2"/>
-              <a:buChar char="§"/>
-            </a:pPr>
-            <a:r>
-              <a:rPr lang="es-ES" sz="2000" dirty="0"/>
-              <a:t>Validación experimental en entorno simulado</a:t>
-            </a:r>
+              <a:rPr lang="es-ES" dirty="0"/>
+              <a:t>Pruebas unitarias Pilotaje</a:t>
+            </a:r>
+          </a:p>
+        </p:txBody>
+      </p:sp>
+      <p:sp>
+        <p:nvSpPr>
+          <p:cNvPr id="5" name="4 Marcador de número de diapositiva"/>
+          <p:cNvSpPr>
+            <a:spLocks noGrp="1"/>
+          </p:cNvSpPr>
+          <p:nvPr>
+            <p:ph type="sldNum" sz="quarter" idx="12"/>
+          </p:nvPr>
+        </p:nvSpPr>
+        <p:spPr>
+          <a:xfrm>
+            <a:off x="532374" y="6356674"/>
+            <a:ext cx="8079252" cy="365125"/>
+          </a:xfrm>
+        </p:spPr>
+        <p:txBody>
+          <a:bodyPr/>
+          <a:lstStyle/>
+          <a:p>
+            <a:pPr algn="ctr"/>
+            <a:r>
+              <a:rPr lang="es-ES" dirty="0">
+                <a:latin typeface="Verdana" panose="020B0604030504040204" pitchFamily="34" charset="0"/>
+                <a:ea typeface="Verdana" panose="020B0604030504040204" pitchFamily="34" charset="0"/>
+                <a:cs typeface="Verdana" panose="020B0604030504040204" pitchFamily="34" charset="0"/>
+              </a:rPr>
+              <a:t>© </a:t>
+            </a:r>
+            <a:r>
+              <a:rPr lang="es-ES" dirty="0">
+                <a:ea typeface="Verdana" panose="020B0604030504040204" pitchFamily="34" charset="0"/>
+                <a:cs typeface="Verdana" panose="020B0604030504040204" pitchFamily="34" charset="0"/>
+              </a:rPr>
+              <a:t>Jesús Saiz Colomina</a:t>
+            </a:r>
+            <a:r>
+              <a:rPr lang="es-ES" dirty="0">
+                <a:latin typeface="Verdana" panose="020B0604030504040204" pitchFamily="34" charset="0"/>
+                <a:ea typeface="Verdana" panose="020B0604030504040204" pitchFamily="34" charset="0"/>
+                <a:cs typeface="Verdana" panose="020B0604030504040204" pitchFamily="34" charset="0"/>
+              </a:rPr>
+              <a:t>	</a:t>
+            </a:r>
+            <a:r>
+              <a:rPr lang="es-ES" b="1" dirty="0"/>
+              <a:t>Programación de un drone para seguimiento autónomo de trayectorias en 3D		 	9</a:t>
+            </a:r>
+            <a:endParaRPr lang="es-ES" dirty="0"/>
           </a:p>
         </p:txBody>
       </p:sp>
@@ -5462,7 +6259,7 @@
           <p:nvPr/>
         </p:nvPicPr>
         <p:blipFill>
-          <a:blip r:embed="rId3">
+          <a:blip r:embed="rId5">
             <a:extLst>
               <a:ext uri="{28A0092B-C50C-407E-A947-70E740481C1C}">
                 <a14:useLocalDpi xmlns:a14="http://schemas.microsoft.com/office/drawing/2010/main" val="0"/>
@@ -5492,7 +6289,7 @@
           <p:nvPr/>
         </p:nvPicPr>
         <p:blipFill>
-          <a:blip r:embed="rId4" cstate="print">
+          <a:blip r:embed="rId6" cstate="print">
             <a:extLst>
               <a:ext uri="{28A0092B-C50C-407E-A947-70E740481C1C}">
                 <a14:useLocalDpi xmlns:a14="http://schemas.microsoft.com/office/drawing/2010/main" val="0"/>
@@ -5528,7 +6325,1726 @@
           <p:nvPr/>
         </p:nvPicPr>
         <p:blipFill>
-          <a:blip r:embed="rId5"/>
+          <a:blip r:embed="rId7"/>
+          <a:stretch>
+            <a:fillRect/>
+          </a:stretch>
+        </p:blipFill>
+        <p:spPr>
+          <a:xfrm>
+            <a:off x="1268237" y="490857"/>
+            <a:ext cx="537601" cy="630459"/>
+          </a:xfrm>
+          <a:prstGeom prst="rect">
+            <a:avLst/>
+          </a:prstGeom>
+        </p:spPr>
+      </p:pic>
+      <p:cxnSp>
+        <p:nvCxnSpPr>
+          <p:cNvPr id="13" name="6 Conector recto">
+            <a:extLst>
+              <a:ext uri="{FF2B5EF4-FFF2-40B4-BE49-F238E27FC236}">
+                <a16:creationId xmlns:a16="http://schemas.microsoft.com/office/drawing/2014/main" id="{AB15E1F7-60B1-45AA-A29F-9A4E4A6994D5}"/>
+              </a:ext>
+            </a:extLst>
+          </p:cNvPr>
+          <p:cNvCxnSpPr>
+            <a:cxnSpLocks/>
+          </p:cNvCxnSpPr>
+          <p:nvPr/>
+        </p:nvCxnSpPr>
+        <p:spPr>
+          <a:xfrm>
+            <a:off x="628650" y="6356674"/>
+            <a:ext cx="7886700" cy="0"/>
+          </a:xfrm>
+          <a:prstGeom prst="line">
+            <a:avLst/>
+          </a:prstGeom>
+        </p:spPr>
+        <p:style>
+          <a:lnRef idx="1">
+            <a:schemeClr val="dk1"/>
+          </a:lnRef>
+          <a:fillRef idx="0">
+            <a:schemeClr val="dk1"/>
+          </a:fillRef>
+          <a:effectRef idx="0">
+            <a:schemeClr val="dk1"/>
+          </a:effectRef>
+          <a:fontRef idx="minor">
+            <a:schemeClr val="tx1"/>
+          </a:fontRef>
+        </p:style>
+      </p:cxnSp>
+      <p:pic>
+        <p:nvPicPr>
+          <p:cNvPr id="12" name="Imagen 11" descr="Imagen que contiene mapa, texto&#10;&#10;Descripción generada con confianza muy alta">
+            <a:extLst>
+              <a:ext uri="{FF2B5EF4-FFF2-40B4-BE49-F238E27FC236}">
+                <a16:creationId xmlns:a16="http://schemas.microsoft.com/office/drawing/2014/main" id="{C1204F43-F300-4C58-918C-6A6F096D35E8}"/>
+              </a:ext>
+            </a:extLst>
+          </p:cNvPr>
+          <p:cNvPicPr>
+            <a:picLocks noChangeAspect="1"/>
+          </p:cNvPicPr>
+          <p:nvPr/>
+        </p:nvPicPr>
+        <p:blipFill>
+          <a:blip r:embed="rId8">
+            <a:extLst>
+              <a:ext uri="{28A0092B-C50C-407E-A947-70E740481C1C}">
+                <a14:useLocalDpi xmlns:a14="http://schemas.microsoft.com/office/drawing/2010/main" val="0"/>
+              </a:ext>
+            </a:extLst>
+          </a:blip>
+          <a:stretch>
+            <a:fillRect/>
+          </a:stretch>
+        </p:blipFill>
+        <p:spPr>
+          <a:xfrm>
+            <a:off x="715618" y="1968243"/>
+            <a:ext cx="7712765" cy="3673014"/>
+          </a:xfrm>
+          <a:prstGeom prst="rect">
+            <a:avLst/>
+          </a:prstGeom>
+        </p:spPr>
+      </p:pic>
+    </p:spTree>
+    <p:extLst>
+      <p:ext uri="{BB962C8B-B14F-4D97-AF65-F5344CB8AC3E}">
+        <p14:creationId xmlns:p14="http://schemas.microsoft.com/office/powerpoint/2010/main" val="1611047991"/>
+      </p:ext>
+    </p:extLst>
+  </p:cSld>
+  <p:clrMapOvr>
+    <a:masterClrMapping/>
+  </p:clrMapOvr>
+</p:sld>
+</file>
+
+<file path=ppt/slides/slide13.xml><?xml version="1.0" encoding="utf-8"?>
+<p:sld xmlns:a="http://schemas.openxmlformats.org/drawingml/2006/main" xmlns:r="http://schemas.openxmlformats.org/officeDocument/2006/relationships" xmlns:p="http://schemas.openxmlformats.org/presentationml/2006/main">
+  <p:cSld>
+    <p:spTree>
+      <p:nvGrpSpPr>
+        <p:cNvPr id="1" name=""/>
+        <p:cNvGrpSpPr/>
+        <p:nvPr/>
+      </p:nvGrpSpPr>
+      <p:grpSpPr>
+        <a:xfrm>
+          <a:off x="0" y="0"/>
+          <a:ext cx="0" cy="0"/>
+          <a:chOff x="0" y="0"/>
+          <a:chExt cx="0" cy="0"/>
+        </a:xfrm>
+      </p:grpSpPr>
+      <p:pic>
+        <p:nvPicPr>
+          <p:cNvPr id="11" name="Picture 2" descr="Resultado de imagen de simbolo drone">
+            <a:hlinkClick r:id="rId3"/>
+            <a:extLst>
+              <a:ext uri="{FF2B5EF4-FFF2-40B4-BE49-F238E27FC236}">
+                <a16:creationId xmlns:a16="http://schemas.microsoft.com/office/drawing/2014/main" id="{BD8636FC-6FAA-4648-A4C1-F7E8142457D4}"/>
+              </a:ext>
+            </a:extLst>
+          </p:cNvPr>
+          <p:cNvPicPr>
+            <a:picLocks noChangeAspect="1" noChangeArrowheads="1"/>
+          </p:cNvPicPr>
+          <p:nvPr/>
+        </p:nvPicPr>
+        <p:blipFill>
+          <a:blip r:embed="rId4">
+            <a:lum bright="70000" contrast="-70000"/>
+            <a:extLst>
+              <a:ext uri="{28A0092B-C50C-407E-A947-70E740481C1C}">
+                <a14:useLocalDpi xmlns:a14="http://schemas.microsoft.com/office/drawing/2010/main" val="0"/>
+              </a:ext>
+            </a:extLst>
+          </a:blip>
+          <a:srcRect/>
+          <a:stretch>
+            <a:fillRect/>
+          </a:stretch>
+        </p:blipFill>
+        <p:spPr bwMode="auto">
+          <a:xfrm>
+            <a:off x="-3403639" y="45477"/>
+            <a:ext cx="6750129" cy="6767046"/>
+          </a:xfrm>
+          <a:prstGeom prst="rect">
+            <a:avLst/>
+          </a:prstGeom>
+          <a:noFill/>
+          <a:extLst>
+            <a:ext uri="{909E8E84-426E-40DD-AFC4-6F175D3DCCD1}">
+              <a14:hiddenFill xmlns:a14="http://schemas.microsoft.com/office/drawing/2010/main">
+                <a:solidFill>
+                  <a:srgbClr val="FFFFFF"/>
+                </a:solidFill>
+              </a14:hiddenFill>
+            </a:ext>
+          </a:extLst>
+        </p:spPr>
+      </p:pic>
+      <p:pic>
+        <p:nvPicPr>
+          <p:cNvPr id="12" name="Imagen 11" descr="Imagen que contiene cielo&#10;&#10;Descripción generada con confianza muy alta">
+            <a:extLst>
+              <a:ext uri="{FF2B5EF4-FFF2-40B4-BE49-F238E27FC236}">
+                <a16:creationId xmlns:a16="http://schemas.microsoft.com/office/drawing/2014/main" id="{AEA6BF4E-282C-4127-8201-276D06CF7B11}"/>
+              </a:ext>
+            </a:extLst>
+          </p:cNvPr>
+          <p:cNvPicPr>
+            <a:picLocks noChangeAspect="1"/>
+          </p:cNvPicPr>
+          <p:nvPr/>
+        </p:nvPicPr>
+        <p:blipFill rotWithShape="1">
+          <a:blip r:embed="rId5">
+            <a:extLst>
+              <a:ext uri="{28A0092B-C50C-407E-A947-70E740481C1C}">
+                <a14:useLocalDpi xmlns:a14="http://schemas.microsoft.com/office/drawing/2010/main" val="0"/>
+              </a:ext>
+            </a:extLst>
+          </a:blip>
+          <a:srcRect t="13122"/>
+          <a:stretch/>
+        </p:blipFill>
+        <p:spPr>
+          <a:xfrm>
+            <a:off x="325296" y="1547195"/>
+            <a:ext cx="7038975" cy="2568143"/>
+          </a:xfrm>
+          <a:prstGeom prst="rect">
+            <a:avLst/>
+          </a:prstGeom>
+        </p:spPr>
+      </p:pic>
+      <p:sp>
+        <p:nvSpPr>
+          <p:cNvPr id="2" name="1 Título"/>
+          <p:cNvSpPr>
+            <a:spLocks noGrp="1"/>
+          </p:cNvSpPr>
+          <p:nvPr>
+            <p:ph type="title"/>
+          </p:nvPr>
+        </p:nvSpPr>
+        <p:spPr>
+          <a:xfrm>
+            <a:off x="-685800" y="221632"/>
+            <a:ext cx="10515600" cy="1325563"/>
+          </a:xfrm>
+        </p:spPr>
+        <p:txBody>
+          <a:bodyPr>
+            <a:normAutofit/>
+          </a:bodyPr>
+          <a:lstStyle/>
+          <a:p>
+            <a:pPr algn="ctr"/>
+            <a:r>
+              <a:rPr lang="es-ES" sz="4000" b="1" dirty="0">
+                <a:solidFill>
+                  <a:srgbClr val="0070C0"/>
+                </a:solidFill>
+              </a:rPr>
+              <a:t>Experimentos (II)</a:t>
+            </a:r>
+            <a:endParaRPr lang="es-ES" sz="4000" b="1" dirty="0"/>
+          </a:p>
+        </p:txBody>
+      </p:sp>
+      <p:sp>
+        <p:nvSpPr>
+          <p:cNvPr id="3" name="2 Marcador de contenido"/>
+          <p:cNvSpPr>
+            <a:spLocks noGrp="1"/>
+          </p:cNvSpPr>
+          <p:nvPr>
+            <p:ph idx="1"/>
+          </p:nvPr>
+        </p:nvSpPr>
+        <p:spPr>
+          <a:xfrm>
+            <a:off x="628650" y="1182645"/>
+            <a:ext cx="7886700" cy="5108304"/>
+          </a:xfrm>
+        </p:spPr>
+        <p:txBody>
+          <a:bodyPr>
+            <a:normAutofit/>
+          </a:bodyPr>
+          <a:lstStyle/>
+          <a:p>
+            <a:pPr algn="just">
+              <a:lnSpc>
+                <a:spcPct val="170000"/>
+              </a:lnSpc>
+              <a:buFont typeface="Wingdings" panose="05000000000000000000" pitchFamily="2" charset="2"/>
+              <a:buChar char="§"/>
+            </a:pPr>
+            <a:r>
+              <a:rPr lang="es-ES" dirty="0"/>
+              <a:t>Pruebas unitarias Pilotaje</a:t>
+            </a:r>
+          </a:p>
+        </p:txBody>
+      </p:sp>
+      <p:sp>
+        <p:nvSpPr>
+          <p:cNvPr id="5" name="4 Marcador de número de diapositiva"/>
+          <p:cNvSpPr>
+            <a:spLocks noGrp="1"/>
+          </p:cNvSpPr>
+          <p:nvPr>
+            <p:ph type="sldNum" sz="quarter" idx="12"/>
+          </p:nvPr>
+        </p:nvSpPr>
+        <p:spPr>
+          <a:xfrm>
+            <a:off x="532374" y="6356674"/>
+            <a:ext cx="8079252" cy="365125"/>
+          </a:xfrm>
+        </p:spPr>
+        <p:txBody>
+          <a:bodyPr/>
+          <a:lstStyle/>
+          <a:p>
+            <a:pPr algn="ctr"/>
+            <a:r>
+              <a:rPr lang="es-ES" dirty="0">
+                <a:latin typeface="Verdana" panose="020B0604030504040204" pitchFamily="34" charset="0"/>
+                <a:ea typeface="Verdana" panose="020B0604030504040204" pitchFamily="34" charset="0"/>
+                <a:cs typeface="Verdana" panose="020B0604030504040204" pitchFamily="34" charset="0"/>
+              </a:rPr>
+              <a:t>© </a:t>
+            </a:r>
+            <a:r>
+              <a:rPr lang="es-ES" dirty="0">
+                <a:ea typeface="Verdana" panose="020B0604030504040204" pitchFamily="34" charset="0"/>
+                <a:cs typeface="Verdana" panose="020B0604030504040204" pitchFamily="34" charset="0"/>
+              </a:rPr>
+              <a:t>Jesús Saiz Colomina</a:t>
+            </a:r>
+            <a:r>
+              <a:rPr lang="es-ES" dirty="0">
+                <a:latin typeface="Verdana" panose="020B0604030504040204" pitchFamily="34" charset="0"/>
+                <a:ea typeface="Verdana" panose="020B0604030504040204" pitchFamily="34" charset="0"/>
+                <a:cs typeface="Verdana" panose="020B0604030504040204" pitchFamily="34" charset="0"/>
+              </a:rPr>
+              <a:t>	</a:t>
+            </a:r>
+            <a:r>
+              <a:rPr lang="es-ES" b="1" dirty="0"/>
+              <a:t>Programación de un drone para seguimiento autónomo de trayectorias en 3D		 	9</a:t>
+            </a:r>
+            <a:endParaRPr lang="es-ES" dirty="0"/>
+          </a:p>
+        </p:txBody>
+      </p:sp>
+      <p:cxnSp>
+        <p:nvCxnSpPr>
+          <p:cNvPr id="7" name="6 Conector recto"/>
+          <p:cNvCxnSpPr>
+            <a:cxnSpLocks/>
+          </p:cNvCxnSpPr>
+          <p:nvPr/>
+        </p:nvCxnSpPr>
+        <p:spPr>
+          <a:xfrm>
+            <a:off x="628650" y="1268760"/>
+            <a:ext cx="7886700" cy="0"/>
+          </a:xfrm>
+          <a:prstGeom prst="line">
+            <a:avLst/>
+          </a:prstGeom>
+        </p:spPr>
+        <p:style>
+          <a:lnRef idx="1">
+            <a:schemeClr val="dk1"/>
+          </a:lnRef>
+          <a:fillRef idx="0">
+            <a:schemeClr val="dk1"/>
+          </a:fillRef>
+          <a:effectRef idx="0">
+            <a:schemeClr val="dk1"/>
+          </a:effectRef>
+          <a:fontRef idx="minor">
+            <a:schemeClr val="tx1"/>
+          </a:fontRef>
+        </p:style>
+      </p:cxnSp>
+      <p:pic>
+        <p:nvPicPr>
+          <p:cNvPr id="8" name="7 Imagen"/>
+          <p:cNvPicPr>
+            <a:picLocks noChangeAspect="1"/>
+          </p:cNvPicPr>
+          <p:nvPr/>
+        </p:nvPicPr>
+        <p:blipFill>
+          <a:blip r:embed="rId6">
+            <a:extLst>
+              <a:ext uri="{28A0092B-C50C-407E-A947-70E740481C1C}">
+                <a14:useLocalDpi xmlns:a14="http://schemas.microsoft.com/office/drawing/2010/main" val="0"/>
+              </a:ext>
+            </a:extLst>
+          </a:blip>
+          <a:stretch>
+            <a:fillRect/>
+          </a:stretch>
+        </p:blipFill>
+        <p:spPr>
+          <a:xfrm>
+            <a:off x="628650" y="438469"/>
+            <a:ext cx="580384" cy="749427"/>
+          </a:xfrm>
+          <a:prstGeom prst="rect">
+            <a:avLst/>
+          </a:prstGeom>
+        </p:spPr>
+      </p:pic>
+      <p:pic>
+        <p:nvPicPr>
+          <p:cNvPr id="9" name="8 Imagen"/>
+          <p:cNvPicPr>
+            <a:picLocks noChangeAspect="1"/>
+          </p:cNvPicPr>
+          <p:nvPr/>
+        </p:nvPicPr>
+        <p:blipFill>
+          <a:blip r:embed="rId7" cstate="print">
+            <a:extLst>
+              <a:ext uri="{28A0092B-C50C-407E-A947-70E740481C1C}">
+                <a14:useLocalDpi xmlns:a14="http://schemas.microsoft.com/office/drawing/2010/main" val="0"/>
+              </a:ext>
+            </a:extLst>
+          </a:blip>
+          <a:stretch>
+            <a:fillRect/>
+          </a:stretch>
+        </p:blipFill>
+        <p:spPr>
+          <a:xfrm>
+            <a:off x="7151066" y="505140"/>
+            <a:ext cx="1364284" cy="601891"/>
+          </a:xfrm>
+          <a:prstGeom prst="rect">
+            <a:avLst/>
+          </a:prstGeom>
+        </p:spPr>
+      </p:pic>
+      <p:pic>
+        <p:nvPicPr>
+          <p:cNvPr id="10" name="Imagen 9">
+            <a:extLst>
+              <a:ext uri="{FF2B5EF4-FFF2-40B4-BE49-F238E27FC236}">
+                <a16:creationId xmlns:a16="http://schemas.microsoft.com/office/drawing/2014/main" id="{C07D8E3D-8223-4A6D-A674-3F7F2939384F}"/>
+              </a:ext>
+            </a:extLst>
+          </p:cNvPr>
+          <p:cNvPicPr>
+            <a:picLocks noChangeAspect="1"/>
+          </p:cNvPicPr>
+          <p:nvPr/>
+        </p:nvPicPr>
+        <p:blipFill>
+          <a:blip r:embed="rId8"/>
+          <a:stretch>
+            <a:fillRect/>
+          </a:stretch>
+        </p:blipFill>
+        <p:spPr>
+          <a:xfrm>
+            <a:off x="1268237" y="490857"/>
+            <a:ext cx="537601" cy="630459"/>
+          </a:xfrm>
+          <a:prstGeom prst="rect">
+            <a:avLst/>
+          </a:prstGeom>
+        </p:spPr>
+      </p:pic>
+      <p:cxnSp>
+        <p:nvCxnSpPr>
+          <p:cNvPr id="13" name="6 Conector recto">
+            <a:extLst>
+              <a:ext uri="{FF2B5EF4-FFF2-40B4-BE49-F238E27FC236}">
+                <a16:creationId xmlns:a16="http://schemas.microsoft.com/office/drawing/2014/main" id="{AB15E1F7-60B1-45AA-A29F-9A4E4A6994D5}"/>
+              </a:ext>
+            </a:extLst>
+          </p:cNvPr>
+          <p:cNvCxnSpPr>
+            <a:cxnSpLocks/>
+          </p:cNvCxnSpPr>
+          <p:nvPr/>
+        </p:nvCxnSpPr>
+        <p:spPr>
+          <a:xfrm>
+            <a:off x="628650" y="6356674"/>
+            <a:ext cx="7886700" cy="0"/>
+          </a:xfrm>
+          <a:prstGeom prst="line">
+            <a:avLst/>
+          </a:prstGeom>
+        </p:spPr>
+        <p:style>
+          <a:lnRef idx="1">
+            <a:schemeClr val="dk1"/>
+          </a:lnRef>
+          <a:fillRef idx="0">
+            <a:schemeClr val="dk1"/>
+          </a:fillRef>
+          <a:effectRef idx="0">
+            <a:schemeClr val="dk1"/>
+          </a:effectRef>
+          <a:fontRef idx="minor">
+            <a:schemeClr val="tx1"/>
+          </a:fontRef>
+        </p:style>
+      </p:cxnSp>
+      <p:pic>
+        <p:nvPicPr>
+          <p:cNvPr id="16" name="Imagen 15" descr="Imagen que contiene cielo&#10;&#10;Descripción generada con confianza muy alta">
+            <a:extLst>
+              <a:ext uri="{FF2B5EF4-FFF2-40B4-BE49-F238E27FC236}">
+                <a16:creationId xmlns:a16="http://schemas.microsoft.com/office/drawing/2014/main" id="{E73FF4D9-E17F-4E5B-91CE-64B4DBA56DBA}"/>
+              </a:ext>
+            </a:extLst>
+          </p:cNvPr>
+          <p:cNvPicPr>
+            <a:picLocks noChangeAspect="1"/>
+          </p:cNvPicPr>
+          <p:nvPr/>
+        </p:nvPicPr>
+        <p:blipFill>
+          <a:blip r:embed="rId9">
+            <a:extLst>
+              <a:ext uri="{28A0092B-C50C-407E-A947-70E740481C1C}">
+                <a14:useLocalDpi xmlns:a14="http://schemas.microsoft.com/office/drawing/2010/main" val="0"/>
+              </a:ext>
+            </a:extLst>
+          </a:blip>
+          <a:stretch>
+            <a:fillRect/>
+          </a:stretch>
+        </p:blipFill>
+        <p:spPr>
+          <a:xfrm>
+            <a:off x="325296" y="4068041"/>
+            <a:ext cx="7029450" cy="2241493"/>
+          </a:xfrm>
+          <a:prstGeom prst="rect">
+            <a:avLst/>
+          </a:prstGeom>
+        </p:spPr>
+      </p:pic>
+      <p:sp>
+        <p:nvSpPr>
+          <p:cNvPr id="18" name="CuadroTexto 17">
+            <a:extLst>
+              <a:ext uri="{FF2B5EF4-FFF2-40B4-BE49-F238E27FC236}">
+                <a16:creationId xmlns:a16="http://schemas.microsoft.com/office/drawing/2014/main" id="{EBDD0D32-6F69-4FD4-9900-EEC7AAB5A87F}"/>
+              </a:ext>
+            </a:extLst>
+          </p:cNvPr>
+          <p:cNvSpPr txBox="1"/>
+          <p:nvPr/>
+        </p:nvSpPr>
+        <p:spPr>
+          <a:xfrm>
+            <a:off x="7499650" y="2084088"/>
+            <a:ext cx="1588660" cy="3970318"/>
+          </a:xfrm>
+          <a:prstGeom prst="rect">
+            <a:avLst/>
+          </a:prstGeom>
+          <a:noFill/>
+        </p:spPr>
+        <p:txBody>
+          <a:bodyPr wrap="square" rtlCol="0">
+            <a:spAutoFit/>
+          </a:bodyPr>
+          <a:lstStyle/>
+          <a:p>
+            <a:r>
+              <a:rPr lang="es-ES" dirty="0"/>
+              <a:t>Piloto Nuevo:</a:t>
+            </a:r>
+          </a:p>
+          <a:p>
+            <a:r>
+              <a:rPr lang="es-ES" dirty="0"/>
+              <a:t>1</a:t>
+            </a:r>
+          </a:p>
+          <a:p>
+            <a:r>
+              <a:rPr lang="es-ES" dirty="0"/>
+              <a:t>1</a:t>
+            </a:r>
+          </a:p>
+          <a:p>
+            <a:r>
+              <a:rPr lang="es-ES" dirty="0"/>
+              <a:t>1</a:t>
+            </a:r>
+          </a:p>
+          <a:p>
+            <a:r>
+              <a:rPr lang="es-ES" dirty="0"/>
+              <a:t>1</a:t>
+            </a:r>
+          </a:p>
+          <a:p>
+            <a:endParaRPr lang="es-ES" dirty="0"/>
+          </a:p>
+          <a:p>
+            <a:endParaRPr lang="es-ES" dirty="0"/>
+          </a:p>
+          <a:p>
+            <a:endParaRPr lang="es-ES" dirty="0"/>
+          </a:p>
+          <a:p>
+            <a:endParaRPr lang="es-ES" dirty="0"/>
+          </a:p>
+          <a:p>
+            <a:r>
+              <a:rPr lang="es-ES" dirty="0"/>
+              <a:t>Piloto Antiguo:</a:t>
+            </a:r>
+          </a:p>
+          <a:p>
+            <a:r>
+              <a:rPr lang="es-ES" dirty="0"/>
+              <a:t>2</a:t>
+            </a:r>
+          </a:p>
+          <a:p>
+            <a:r>
+              <a:rPr lang="es-ES" dirty="0"/>
+              <a:t>2</a:t>
+            </a:r>
+          </a:p>
+          <a:p>
+            <a:r>
+              <a:rPr lang="es-ES" dirty="0"/>
+              <a:t>2</a:t>
+            </a:r>
+          </a:p>
+          <a:p>
+            <a:r>
+              <a:rPr lang="es-ES" dirty="0"/>
+              <a:t>2</a:t>
+            </a:r>
+          </a:p>
+        </p:txBody>
+      </p:sp>
+    </p:spTree>
+    <p:extLst>
+      <p:ext uri="{BB962C8B-B14F-4D97-AF65-F5344CB8AC3E}">
+        <p14:creationId xmlns:p14="http://schemas.microsoft.com/office/powerpoint/2010/main" val="3415976185"/>
+      </p:ext>
+    </p:extLst>
+  </p:cSld>
+  <p:clrMapOvr>
+    <a:masterClrMapping/>
+  </p:clrMapOvr>
+</p:sld>
+</file>
+
+<file path=ppt/slides/slide14.xml><?xml version="1.0" encoding="utf-8"?>
+<p:sld xmlns:a="http://schemas.openxmlformats.org/drawingml/2006/main" xmlns:r="http://schemas.openxmlformats.org/officeDocument/2006/relationships" xmlns:p="http://schemas.openxmlformats.org/presentationml/2006/main">
+  <p:cSld>
+    <p:spTree>
+      <p:nvGrpSpPr>
+        <p:cNvPr id="1" name=""/>
+        <p:cNvGrpSpPr/>
+        <p:nvPr/>
+      </p:nvGrpSpPr>
+      <p:grpSpPr>
+        <a:xfrm>
+          <a:off x="0" y="0"/>
+          <a:ext cx="0" cy="0"/>
+          <a:chOff x="0" y="0"/>
+          <a:chExt cx="0" cy="0"/>
+        </a:xfrm>
+      </p:grpSpPr>
+      <p:pic>
+        <p:nvPicPr>
+          <p:cNvPr id="11" name="Picture 2" descr="Resultado de imagen de simbolo drone">
+            <a:hlinkClick r:id="rId3"/>
+            <a:extLst>
+              <a:ext uri="{FF2B5EF4-FFF2-40B4-BE49-F238E27FC236}">
+                <a16:creationId xmlns:a16="http://schemas.microsoft.com/office/drawing/2014/main" id="{6A98D7CD-4D8B-4FDF-846B-0C49C272CD60}"/>
+              </a:ext>
+            </a:extLst>
+          </p:cNvPr>
+          <p:cNvPicPr>
+            <a:picLocks noChangeAspect="1" noChangeArrowheads="1"/>
+          </p:cNvPicPr>
+          <p:nvPr/>
+        </p:nvPicPr>
+        <p:blipFill>
+          <a:blip r:embed="rId4">
+            <a:lum bright="70000" contrast="-70000"/>
+            <a:extLst>
+              <a:ext uri="{28A0092B-C50C-407E-A947-70E740481C1C}">
+                <a14:useLocalDpi xmlns:a14="http://schemas.microsoft.com/office/drawing/2010/main" val="0"/>
+              </a:ext>
+            </a:extLst>
+          </a:blip>
+          <a:srcRect/>
+          <a:stretch>
+            <a:fillRect/>
+          </a:stretch>
+        </p:blipFill>
+        <p:spPr bwMode="auto">
+          <a:xfrm>
+            <a:off x="-3403639" y="45477"/>
+            <a:ext cx="6750129" cy="6767046"/>
+          </a:xfrm>
+          <a:prstGeom prst="rect">
+            <a:avLst/>
+          </a:prstGeom>
+          <a:noFill/>
+          <a:extLst>
+            <a:ext uri="{909E8E84-426E-40DD-AFC4-6F175D3DCCD1}">
+              <a14:hiddenFill xmlns:a14="http://schemas.microsoft.com/office/drawing/2010/main">
+                <a:solidFill>
+                  <a:srgbClr val="FFFFFF"/>
+                </a:solidFill>
+              </a14:hiddenFill>
+            </a:ext>
+          </a:extLst>
+        </p:spPr>
+      </p:pic>
+      <p:sp>
+        <p:nvSpPr>
+          <p:cNvPr id="2" name="1 Título"/>
+          <p:cNvSpPr>
+            <a:spLocks noGrp="1"/>
+          </p:cNvSpPr>
+          <p:nvPr>
+            <p:ph type="title"/>
+          </p:nvPr>
+        </p:nvSpPr>
+        <p:spPr>
+          <a:xfrm>
+            <a:off x="-685800" y="221632"/>
+            <a:ext cx="10515600" cy="1325563"/>
+          </a:xfrm>
+        </p:spPr>
+        <p:txBody>
+          <a:bodyPr>
+            <a:normAutofit/>
+          </a:bodyPr>
+          <a:lstStyle/>
+          <a:p>
+            <a:pPr algn="ctr"/>
+            <a:r>
+              <a:rPr lang="es-ES" sz="4000" b="1" dirty="0">
+                <a:solidFill>
+                  <a:srgbClr val="0070C0"/>
+                </a:solidFill>
+              </a:rPr>
+              <a:t>Experimentos (III)</a:t>
+            </a:r>
+            <a:endParaRPr lang="es-ES" sz="4000" b="1" dirty="0"/>
+          </a:p>
+        </p:txBody>
+      </p:sp>
+      <p:sp>
+        <p:nvSpPr>
+          <p:cNvPr id="3" name="2 Marcador de contenido"/>
+          <p:cNvSpPr>
+            <a:spLocks noGrp="1"/>
+          </p:cNvSpPr>
+          <p:nvPr>
+            <p:ph idx="1"/>
+          </p:nvPr>
+        </p:nvSpPr>
+        <p:spPr>
+          <a:xfrm>
+            <a:off x="628650" y="1419721"/>
+            <a:ext cx="7886700" cy="5108304"/>
+          </a:xfrm>
+        </p:spPr>
+        <p:txBody>
+          <a:bodyPr>
+            <a:normAutofit/>
+          </a:bodyPr>
+          <a:lstStyle/>
+          <a:p>
+            <a:pPr algn="just">
+              <a:lnSpc>
+                <a:spcPct val="170000"/>
+              </a:lnSpc>
+              <a:buFont typeface="Wingdings" panose="05000000000000000000" pitchFamily="2" charset="2"/>
+              <a:buChar char="§"/>
+            </a:pPr>
+            <a:r>
+              <a:rPr lang="es-ES" dirty="0"/>
+              <a:t>Pruebas integrales del sistema</a:t>
+            </a:r>
+          </a:p>
+        </p:txBody>
+      </p:sp>
+      <p:sp>
+        <p:nvSpPr>
+          <p:cNvPr id="5" name="4 Marcador de número de diapositiva"/>
+          <p:cNvSpPr>
+            <a:spLocks noGrp="1"/>
+          </p:cNvSpPr>
+          <p:nvPr>
+            <p:ph type="sldNum" sz="quarter" idx="12"/>
+          </p:nvPr>
+        </p:nvSpPr>
+        <p:spPr>
+          <a:xfrm>
+            <a:off x="532374" y="6356674"/>
+            <a:ext cx="8079252" cy="365125"/>
+          </a:xfrm>
+        </p:spPr>
+        <p:txBody>
+          <a:bodyPr/>
+          <a:lstStyle/>
+          <a:p>
+            <a:pPr algn="l"/>
+            <a:r>
+              <a:rPr lang="es-ES" dirty="0">
+                <a:latin typeface="Verdana" panose="020B0604030504040204" pitchFamily="34" charset="0"/>
+                <a:ea typeface="Verdana" panose="020B0604030504040204" pitchFamily="34" charset="0"/>
+                <a:cs typeface="Verdana" panose="020B0604030504040204" pitchFamily="34" charset="0"/>
+              </a:rPr>
+              <a:t>© </a:t>
+            </a:r>
+            <a:r>
+              <a:rPr lang="es-ES" dirty="0">
+                <a:ea typeface="Verdana" panose="020B0604030504040204" pitchFamily="34" charset="0"/>
+                <a:cs typeface="Verdana" panose="020B0604030504040204" pitchFamily="34" charset="0"/>
+              </a:rPr>
+              <a:t>Jesús Saiz Colomina </a:t>
+            </a:r>
+            <a:r>
+              <a:rPr lang="es-ES" dirty="0">
+                <a:latin typeface="Verdana" panose="020B0604030504040204" pitchFamily="34" charset="0"/>
+                <a:ea typeface="Verdana" panose="020B0604030504040204" pitchFamily="34" charset="0"/>
+                <a:cs typeface="Verdana" panose="020B0604030504040204" pitchFamily="34" charset="0"/>
+              </a:rPr>
+              <a:t>       </a:t>
+            </a:r>
+            <a:r>
+              <a:rPr lang="es-ES" b="1" dirty="0"/>
+              <a:t>Programación de un drone para seguimiento autónomo de trayectorias en 3D                            10</a:t>
+            </a:r>
+            <a:endParaRPr lang="es-ES" dirty="0"/>
+          </a:p>
+        </p:txBody>
+      </p:sp>
+      <p:cxnSp>
+        <p:nvCxnSpPr>
+          <p:cNvPr id="7" name="6 Conector recto"/>
+          <p:cNvCxnSpPr>
+            <a:cxnSpLocks/>
+          </p:cNvCxnSpPr>
+          <p:nvPr/>
+        </p:nvCxnSpPr>
+        <p:spPr>
+          <a:xfrm>
+            <a:off x="628650" y="1268760"/>
+            <a:ext cx="7886700" cy="0"/>
+          </a:xfrm>
+          <a:prstGeom prst="line">
+            <a:avLst/>
+          </a:prstGeom>
+        </p:spPr>
+        <p:style>
+          <a:lnRef idx="1">
+            <a:schemeClr val="dk1"/>
+          </a:lnRef>
+          <a:fillRef idx="0">
+            <a:schemeClr val="dk1"/>
+          </a:fillRef>
+          <a:effectRef idx="0">
+            <a:schemeClr val="dk1"/>
+          </a:effectRef>
+          <a:fontRef idx="minor">
+            <a:schemeClr val="tx1"/>
+          </a:fontRef>
+        </p:style>
+      </p:cxnSp>
+      <p:pic>
+        <p:nvPicPr>
+          <p:cNvPr id="8" name="7 Imagen"/>
+          <p:cNvPicPr>
+            <a:picLocks noChangeAspect="1"/>
+          </p:cNvPicPr>
+          <p:nvPr/>
+        </p:nvPicPr>
+        <p:blipFill>
+          <a:blip r:embed="rId5">
+            <a:extLst>
+              <a:ext uri="{28A0092B-C50C-407E-A947-70E740481C1C}">
+                <a14:useLocalDpi xmlns:a14="http://schemas.microsoft.com/office/drawing/2010/main" val="0"/>
+              </a:ext>
+            </a:extLst>
+          </a:blip>
+          <a:stretch>
+            <a:fillRect/>
+          </a:stretch>
+        </p:blipFill>
+        <p:spPr>
+          <a:xfrm>
+            <a:off x="628650" y="438469"/>
+            <a:ext cx="580384" cy="749427"/>
+          </a:xfrm>
+          <a:prstGeom prst="rect">
+            <a:avLst/>
+          </a:prstGeom>
+        </p:spPr>
+      </p:pic>
+      <p:pic>
+        <p:nvPicPr>
+          <p:cNvPr id="9" name="8 Imagen"/>
+          <p:cNvPicPr>
+            <a:picLocks noChangeAspect="1"/>
+          </p:cNvPicPr>
+          <p:nvPr/>
+        </p:nvPicPr>
+        <p:blipFill>
+          <a:blip r:embed="rId6" cstate="print">
+            <a:extLst>
+              <a:ext uri="{28A0092B-C50C-407E-A947-70E740481C1C}">
+                <a14:useLocalDpi xmlns:a14="http://schemas.microsoft.com/office/drawing/2010/main" val="0"/>
+              </a:ext>
+            </a:extLst>
+          </a:blip>
+          <a:stretch>
+            <a:fillRect/>
+          </a:stretch>
+        </p:blipFill>
+        <p:spPr>
+          <a:xfrm>
+            <a:off x="7151066" y="505140"/>
+            <a:ext cx="1364284" cy="601891"/>
+          </a:xfrm>
+          <a:prstGeom prst="rect">
+            <a:avLst/>
+          </a:prstGeom>
+        </p:spPr>
+      </p:pic>
+      <p:pic>
+        <p:nvPicPr>
+          <p:cNvPr id="10" name="Imagen 9">
+            <a:extLst>
+              <a:ext uri="{FF2B5EF4-FFF2-40B4-BE49-F238E27FC236}">
+                <a16:creationId xmlns:a16="http://schemas.microsoft.com/office/drawing/2014/main" id="{C07D8E3D-8223-4A6D-A674-3F7F2939384F}"/>
+              </a:ext>
+            </a:extLst>
+          </p:cNvPr>
+          <p:cNvPicPr>
+            <a:picLocks noChangeAspect="1"/>
+          </p:cNvPicPr>
+          <p:nvPr/>
+        </p:nvPicPr>
+        <p:blipFill>
+          <a:blip r:embed="rId7"/>
+          <a:stretch>
+            <a:fillRect/>
+          </a:stretch>
+        </p:blipFill>
+        <p:spPr>
+          <a:xfrm>
+            <a:off x="1268237" y="490857"/>
+            <a:ext cx="537601" cy="630459"/>
+          </a:xfrm>
+          <a:prstGeom prst="rect">
+            <a:avLst/>
+          </a:prstGeom>
+        </p:spPr>
+      </p:pic>
+      <p:cxnSp>
+        <p:nvCxnSpPr>
+          <p:cNvPr id="13" name="6 Conector recto">
+            <a:extLst>
+              <a:ext uri="{FF2B5EF4-FFF2-40B4-BE49-F238E27FC236}">
+                <a16:creationId xmlns:a16="http://schemas.microsoft.com/office/drawing/2014/main" id="{AB15E1F7-60B1-45AA-A29F-9A4E4A6994D5}"/>
+              </a:ext>
+            </a:extLst>
+          </p:cNvPr>
+          <p:cNvCxnSpPr>
+            <a:cxnSpLocks/>
+          </p:cNvCxnSpPr>
+          <p:nvPr/>
+        </p:nvCxnSpPr>
+        <p:spPr>
+          <a:xfrm>
+            <a:off x="628650" y="6356674"/>
+            <a:ext cx="7886700" cy="0"/>
+          </a:xfrm>
+          <a:prstGeom prst="line">
+            <a:avLst/>
+          </a:prstGeom>
+        </p:spPr>
+        <p:style>
+          <a:lnRef idx="1">
+            <a:schemeClr val="dk1"/>
+          </a:lnRef>
+          <a:fillRef idx="0">
+            <a:schemeClr val="dk1"/>
+          </a:fillRef>
+          <a:effectRef idx="0">
+            <a:schemeClr val="dk1"/>
+          </a:effectRef>
+          <a:fontRef idx="minor">
+            <a:schemeClr val="tx1"/>
+          </a:fontRef>
+        </p:style>
+      </p:cxnSp>
+      <p:pic>
+        <p:nvPicPr>
+          <p:cNvPr id="6" name="Imagen 5" descr="Imagen que contiene texto, mapa&#10;&#10;Descripción generada con confianza muy alta">
+            <a:extLst>
+              <a:ext uri="{FF2B5EF4-FFF2-40B4-BE49-F238E27FC236}">
+                <a16:creationId xmlns:a16="http://schemas.microsoft.com/office/drawing/2014/main" id="{B771191B-C0DF-4763-AAFC-36AB9B10CF22}"/>
+              </a:ext>
+            </a:extLst>
+          </p:cNvPr>
+          <p:cNvPicPr>
+            <a:picLocks noChangeAspect="1"/>
+          </p:cNvPicPr>
+          <p:nvPr/>
+        </p:nvPicPr>
+        <p:blipFill rotWithShape="1">
+          <a:blip r:embed="rId8">
+            <a:extLst>
+              <a:ext uri="{28A0092B-C50C-407E-A947-70E740481C1C}">
+                <a14:useLocalDpi xmlns:a14="http://schemas.microsoft.com/office/drawing/2010/main" val="0"/>
+              </a:ext>
+            </a:extLst>
+          </a:blip>
+          <a:srcRect l="7573" r="4970"/>
+          <a:stretch/>
+        </p:blipFill>
+        <p:spPr>
+          <a:xfrm>
+            <a:off x="942869" y="2125990"/>
+            <a:ext cx="7258263" cy="3952250"/>
+          </a:xfrm>
+          <a:prstGeom prst="rect">
+            <a:avLst/>
+          </a:prstGeom>
+        </p:spPr>
+      </p:pic>
+    </p:spTree>
+    <p:extLst>
+      <p:ext uri="{BB962C8B-B14F-4D97-AF65-F5344CB8AC3E}">
+        <p14:creationId xmlns:p14="http://schemas.microsoft.com/office/powerpoint/2010/main" val="2276189941"/>
+      </p:ext>
+    </p:extLst>
+  </p:cSld>
+  <p:clrMapOvr>
+    <a:masterClrMapping/>
+  </p:clrMapOvr>
+</p:sld>
+</file>
+
+<file path=ppt/slides/slide15.xml><?xml version="1.0" encoding="utf-8"?>
+<p:sld xmlns:a="http://schemas.openxmlformats.org/drawingml/2006/main" xmlns:r="http://schemas.openxmlformats.org/officeDocument/2006/relationships" xmlns:p="http://schemas.openxmlformats.org/presentationml/2006/main">
+  <p:cSld>
+    <p:spTree>
+      <p:nvGrpSpPr>
+        <p:cNvPr id="1" name=""/>
+        <p:cNvGrpSpPr/>
+        <p:nvPr/>
+      </p:nvGrpSpPr>
+      <p:grpSpPr>
+        <a:xfrm>
+          <a:off x="0" y="0"/>
+          <a:ext cx="0" cy="0"/>
+          <a:chOff x="0" y="0"/>
+          <a:chExt cx="0" cy="0"/>
+        </a:xfrm>
+      </p:grpSpPr>
+      <p:pic>
+        <p:nvPicPr>
+          <p:cNvPr id="11" name="Picture 2" descr="Resultado de imagen de simbolo drone">
+            <a:hlinkClick r:id="rId3"/>
+            <a:extLst>
+              <a:ext uri="{FF2B5EF4-FFF2-40B4-BE49-F238E27FC236}">
+                <a16:creationId xmlns:a16="http://schemas.microsoft.com/office/drawing/2014/main" id="{6A98D7CD-4D8B-4FDF-846B-0C49C272CD60}"/>
+              </a:ext>
+            </a:extLst>
+          </p:cNvPr>
+          <p:cNvPicPr>
+            <a:picLocks noChangeAspect="1" noChangeArrowheads="1"/>
+          </p:cNvPicPr>
+          <p:nvPr/>
+        </p:nvPicPr>
+        <p:blipFill>
+          <a:blip r:embed="rId4">
+            <a:lum bright="70000" contrast="-70000"/>
+            <a:extLst>
+              <a:ext uri="{28A0092B-C50C-407E-A947-70E740481C1C}">
+                <a14:useLocalDpi xmlns:a14="http://schemas.microsoft.com/office/drawing/2010/main" val="0"/>
+              </a:ext>
+            </a:extLst>
+          </a:blip>
+          <a:srcRect/>
+          <a:stretch>
+            <a:fillRect/>
+          </a:stretch>
+        </p:blipFill>
+        <p:spPr bwMode="auto">
+          <a:xfrm>
+            <a:off x="-3403639" y="45477"/>
+            <a:ext cx="6750129" cy="6767046"/>
+          </a:xfrm>
+          <a:prstGeom prst="rect">
+            <a:avLst/>
+          </a:prstGeom>
+          <a:noFill/>
+          <a:extLst>
+            <a:ext uri="{909E8E84-426E-40DD-AFC4-6F175D3DCCD1}">
+              <a14:hiddenFill xmlns:a14="http://schemas.microsoft.com/office/drawing/2010/main">
+                <a:solidFill>
+                  <a:srgbClr val="FFFFFF"/>
+                </a:solidFill>
+              </a14:hiddenFill>
+            </a:ext>
+          </a:extLst>
+        </p:spPr>
+      </p:pic>
+      <p:sp>
+        <p:nvSpPr>
+          <p:cNvPr id="2" name="1 Título"/>
+          <p:cNvSpPr>
+            <a:spLocks noGrp="1"/>
+          </p:cNvSpPr>
+          <p:nvPr>
+            <p:ph type="title"/>
+          </p:nvPr>
+        </p:nvSpPr>
+        <p:spPr>
+          <a:xfrm>
+            <a:off x="-685800" y="221632"/>
+            <a:ext cx="10515600" cy="1325563"/>
+          </a:xfrm>
+        </p:spPr>
+        <p:txBody>
+          <a:bodyPr>
+            <a:normAutofit/>
+          </a:bodyPr>
+          <a:lstStyle/>
+          <a:p>
+            <a:pPr algn="ctr"/>
+            <a:r>
+              <a:rPr lang="es-ES" sz="4000" b="1" dirty="0">
+                <a:solidFill>
+                  <a:srgbClr val="0070C0"/>
+                </a:solidFill>
+              </a:rPr>
+              <a:t>Experimentos (III)</a:t>
+            </a:r>
+            <a:endParaRPr lang="es-ES" sz="4000" b="1" dirty="0"/>
+          </a:p>
+        </p:txBody>
+      </p:sp>
+      <p:sp>
+        <p:nvSpPr>
+          <p:cNvPr id="3" name="2 Marcador de contenido"/>
+          <p:cNvSpPr>
+            <a:spLocks noGrp="1"/>
+          </p:cNvSpPr>
+          <p:nvPr>
+            <p:ph idx="1"/>
+          </p:nvPr>
+        </p:nvSpPr>
+        <p:spPr>
+          <a:xfrm>
+            <a:off x="628650" y="1419721"/>
+            <a:ext cx="7886700" cy="5108304"/>
+          </a:xfrm>
+        </p:spPr>
+        <p:txBody>
+          <a:bodyPr>
+            <a:normAutofit/>
+          </a:bodyPr>
+          <a:lstStyle/>
+          <a:p>
+            <a:pPr algn="just">
+              <a:lnSpc>
+                <a:spcPct val="170000"/>
+              </a:lnSpc>
+              <a:buFont typeface="Wingdings" panose="05000000000000000000" pitchFamily="2" charset="2"/>
+              <a:buChar char="§"/>
+            </a:pPr>
+            <a:r>
+              <a:rPr lang="es-ES" dirty="0"/>
+              <a:t>Pruebas integrales del sistema</a:t>
+            </a:r>
+          </a:p>
+        </p:txBody>
+      </p:sp>
+      <p:sp>
+        <p:nvSpPr>
+          <p:cNvPr id="5" name="4 Marcador de número de diapositiva"/>
+          <p:cNvSpPr>
+            <a:spLocks noGrp="1"/>
+          </p:cNvSpPr>
+          <p:nvPr>
+            <p:ph type="sldNum" sz="quarter" idx="12"/>
+          </p:nvPr>
+        </p:nvSpPr>
+        <p:spPr>
+          <a:xfrm>
+            <a:off x="532374" y="6356674"/>
+            <a:ext cx="8079252" cy="365125"/>
+          </a:xfrm>
+        </p:spPr>
+        <p:txBody>
+          <a:bodyPr/>
+          <a:lstStyle/>
+          <a:p>
+            <a:pPr algn="l"/>
+            <a:r>
+              <a:rPr lang="es-ES" dirty="0">
+                <a:latin typeface="Verdana" panose="020B0604030504040204" pitchFamily="34" charset="0"/>
+                <a:ea typeface="Verdana" panose="020B0604030504040204" pitchFamily="34" charset="0"/>
+                <a:cs typeface="Verdana" panose="020B0604030504040204" pitchFamily="34" charset="0"/>
+              </a:rPr>
+              <a:t>© </a:t>
+            </a:r>
+            <a:r>
+              <a:rPr lang="es-ES" dirty="0">
+                <a:ea typeface="Verdana" panose="020B0604030504040204" pitchFamily="34" charset="0"/>
+                <a:cs typeface="Verdana" panose="020B0604030504040204" pitchFamily="34" charset="0"/>
+              </a:rPr>
+              <a:t>Jesús Saiz Colomina </a:t>
+            </a:r>
+            <a:r>
+              <a:rPr lang="es-ES" dirty="0">
+                <a:latin typeface="Verdana" panose="020B0604030504040204" pitchFamily="34" charset="0"/>
+                <a:ea typeface="Verdana" panose="020B0604030504040204" pitchFamily="34" charset="0"/>
+                <a:cs typeface="Verdana" panose="020B0604030504040204" pitchFamily="34" charset="0"/>
+              </a:rPr>
+              <a:t>       </a:t>
+            </a:r>
+            <a:r>
+              <a:rPr lang="es-ES" b="1" dirty="0"/>
+              <a:t>Programación de un drone para seguimiento autónomo de trayectorias en 3D                            10</a:t>
+            </a:r>
+            <a:endParaRPr lang="es-ES" dirty="0"/>
+          </a:p>
+        </p:txBody>
+      </p:sp>
+      <p:cxnSp>
+        <p:nvCxnSpPr>
+          <p:cNvPr id="7" name="6 Conector recto"/>
+          <p:cNvCxnSpPr>
+            <a:cxnSpLocks/>
+          </p:cNvCxnSpPr>
+          <p:nvPr/>
+        </p:nvCxnSpPr>
+        <p:spPr>
+          <a:xfrm>
+            <a:off x="628650" y="1268760"/>
+            <a:ext cx="7886700" cy="0"/>
+          </a:xfrm>
+          <a:prstGeom prst="line">
+            <a:avLst/>
+          </a:prstGeom>
+        </p:spPr>
+        <p:style>
+          <a:lnRef idx="1">
+            <a:schemeClr val="dk1"/>
+          </a:lnRef>
+          <a:fillRef idx="0">
+            <a:schemeClr val="dk1"/>
+          </a:fillRef>
+          <a:effectRef idx="0">
+            <a:schemeClr val="dk1"/>
+          </a:effectRef>
+          <a:fontRef idx="minor">
+            <a:schemeClr val="tx1"/>
+          </a:fontRef>
+        </p:style>
+      </p:cxnSp>
+      <p:pic>
+        <p:nvPicPr>
+          <p:cNvPr id="8" name="7 Imagen"/>
+          <p:cNvPicPr>
+            <a:picLocks noChangeAspect="1"/>
+          </p:cNvPicPr>
+          <p:nvPr/>
+        </p:nvPicPr>
+        <p:blipFill>
+          <a:blip r:embed="rId5">
+            <a:extLst>
+              <a:ext uri="{28A0092B-C50C-407E-A947-70E740481C1C}">
+                <a14:useLocalDpi xmlns:a14="http://schemas.microsoft.com/office/drawing/2010/main" val="0"/>
+              </a:ext>
+            </a:extLst>
+          </a:blip>
+          <a:stretch>
+            <a:fillRect/>
+          </a:stretch>
+        </p:blipFill>
+        <p:spPr>
+          <a:xfrm>
+            <a:off x="628650" y="438469"/>
+            <a:ext cx="580384" cy="749427"/>
+          </a:xfrm>
+          <a:prstGeom prst="rect">
+            <a:avLst/>
+          </a:prstGeom>
+        </p:spPr>
+      </p:pic>
+      <p:pic>
+        <p:nvPicPr>
+          <p:cNvPr id="9" name="8 Imagen"/>
+          <p:cNvPicPr>
+            <a:picLocks noChangeAspect="1"/>
+          </p:cNvPicPr>
+          <p:nvPr/>
+        </p:nvPicPr>
+        <p:blipFill>
+          <a:blip r:embed="rId6" cstate="print">
+            <a:extLst>
+              <a:ext uri="{28A0092B-C50C-407E-A947-70E740481C1C}">
+                <a14:useLocalDpi xmlns:a14="http://schemas.microsoft.com/office/drawing/2010/main" val="0"/>
+              </a:ext>
+            </a:extLst>
+          </a:blip>
+          <a:stretch>
+            <a:fillRect/>
+          </a:stretch>
+        </p:blipFill>
+        <p:spPr>
+          <a:xfrm>
+            <a:off x="7151066" y="505140"/>
+            <a:ext cx="1364284" cy="601891"/>
+          </a:xfrm>
+          <a:prstGeom prst="rect">
+            <a:avLst/>
+          </a:prstGeom>
+        </p:spPr>
+      </p:pic>
+      <p:pic>
+        <p:nvPicPr>
+          <p:cNvPr id="10" name="Imagen 9">
+            <a:extLst>
+              <a:ext uri="{FF2B5EF4-FFF2-40B4-BE49-F238E27FC236}">
+                <a16:creationId xmlns:a16="http://schemas.microsoft.com/office/drawing/2014/main" id="{C07D8E3D-8223-4A6D-A674-3F7F2939384F}"/>
+              </a:ext>
+            </a:extLst>
+          </p:cNvPr>
+          <p:cNvPicPr>
+            <a:picLocks noChangeAspect="1"/>
+          </p:cNvPicPr>
+          <p:nvPr/>
+        </p:nvPicPr>
+        <p:blipFill>
+          <a:blip r:embed="rId7"/>
+          <a:stretch>
+            <a:fillRect/>
+          </a:stretch>
+        </p:blipFill>
+        <p:spPr>
+          <a:xfrm>
+            <a:off x="1268237" y="490857"/>
+            <a:ext cx="537601" cy="630459"/>
+          </a:xfrm>
+          <a:prstGeom prst="rect">
+            <a:avLst/>
+          </a:prstGeom>
+        </p:spPr>
+      </p:pic>
+      <p:cxnSp>
+        <p:nvCxnSpPr>
+          <p:cNvPr id="13" name="6 Conector recto">
+            <a:extLst>
+              <a:ext uri="{FF2B5EF4-FFF2-40B4-BE49-F238E27FC236}">
+                <a16:creationId xmlns:a16="http://schemas.microsoft.com/office/drawing/2014/main" id="{AB15E1F7-60B1-45AA-A29F-9A4E4A6994D5}"/>
+              </a:ext>
+            </a:extLst>
+          </p:cNvPr>
+          <p:cNvCxnSpPr>
+            <a:cxnSpLocks/>
+          </p:cNvCxnSpPr>
+          <p:nvPr/>
+        </p:nvCxnSpPr>
+        <p:spPr>
+          <a:xfrm>
+            <a:off x="628650" y="6356674"/>
+            <a:ext cx="7886700" cy="0"/>
+          </a:xfrm>
+          <a:prstGeom prst="line">
+            <a:avLst/>
+          </a:prstGeom>
+        </p:spPr>
+        <p:style>
+          <a:lnRef idx="1">
+            <a:schemeClr val="dk1"/>
+          </a:lnRef>
+          <a:fillRef idx="0">
+            <a:schemeClr val="dk1"/>
+          </a:fillRef>
+          <a:effectRef idx="0">
+            <a:schemeClr val="dk1"/>
+          </a:effectRef>
+          <a:fontRef idx="minor">
+            <a:schemeClr val="tx1"/>
+          </a:fontRef>
+        </p:style>
+      </p:cxnSp>
+      <p:pic>
+        <p:nvPicPr>
+          <p:cNvPr id="6" name="Imagen 5" descr="Imagen que contiene texto, mapa&#10;&#10;Descripción generada con confianza muy alta">
+            <a:extLst>
+              <a:ext uri="{FF2B5EF4-FFF2-40B4-BE49-F238E27FC236}">
+                <a16:creationId xmlns:a16="http://schemas.microsoft.com/office/drawing/2014/main" id="{A34EF991-33C7-4C4C-9082-FA107120C3FA}"/>
+              </a:ext>
+            </a:extLst>
+          </p:cNvPr>
+          <p:cNvPicPr>
+            <a:picLocks noChangeAspect="1"/>
+          </p:cNvPicPr>
+          <p:nvPr/>
+        </p:nvPicPr>
+        <p:blipFill rotWithShape="1">
+          <a:blip r:embed="rId8">
+            <a:extLst>
+              <a:ext uri="{28A0092B-C50C-407E-A947-70E740481C1C}">
+                <a14:useLocalDpi xmlns:a14="http://schemas.microsoft.com/office/drawing/2010/main" val="0"/>
+              </a:ext>
+            </a:extLst>
+          </a:blip>
+          <a:srcRect l="6755" r="3715"/>
+          <a:stretch/>
+        </p:blipFill>
+        <p:spPr>
+          <a:xfrm>
+            <a:off x="872959" y="2168444"/>
+            <a:ext cx="7398082" cy="3935187"/>
+          </a:xfrm>
+          <a:prstGeom prst="rect">
+            <a:avLst/>
+          </a:prstGeom>
+        </p:spPr>
+      </p:pic>
+    </p:spTree>
+    <p:extLst>
+      <p:ext uri="{BB962C8B-B14F-4D97-AF65-F5344CB8AC3E}">
+        <p14:creationId xmlns:p14="http://schemas.microsoft.com/office/powerpoint/2010/main" val="1247546260"/>
+      </p:ext>
+    </p:extLst>
+  </p:cSld>
+  <p:clrMapOvr>
+    <a:masterClrMapping/>
+  </p:clrMapOvr>
+</p:sld>
+</file>
+
+<file path=ppt/slides/slide16.xml><?xml version="1.0" encoding="utf-8"?>
+<p:sld xmlns:a="http://schemas.openxmlformats.org/drawingml/2006/main" xmlns:r="http://schemas.openxmlformats.org/officeDocument/2006/relationships" xmlns:p="http://schemas.openxmlformats.org/presentationml/2006/main">
+  <p:cSld>
+    <p:spTree>
+      <p:nvGrpSpPr>
+        <p:cNvPr id="1" name=""/>
+        <p:cNvGrpSpPr/>
+        <p:nvPr/>
+      </p:nvGrpSpPr>
+      <p:grpSpPr>
+        <a:xfrm>
+          <a:off x="0" y="0"/>
+          <a:ext cx="0" cy="0"/>
+          <a:chOff x="0" y="0"/>
+          <a:chExt cx="0" cy="0"/>
+        </a:xfrm>
+      </p:grpSpPr>
+      <p:pic>
+        <p:nvPicPr>
+          <p:cNvPr id="12" name="Picture 2" descr="Resultado de imagen de simbolo drone">
+            <a:hlinkClick r:id="rId3"/>
+            <a:extLst>
+              <a:ext uri="{FF2B5EF4-FFF2-40B4-BE49-F238E27FC236}">
+                <a16:creationId xmlns:a16="http://schemas.microsoft.com/office/drawing/2014/main" id="{2F68CDEE-AF33-49E9-9F9A-20830249AA48}"/>
+              </a:ext>
+            </a:extLst>
+          </p:cNvPr>
+          <p:cNvPicPr>
+            <a:picLocks noChangeAspect="1" noChangeArrowheads="1"/>
+          </p:cNvPicPr>
+          <p:nvPr/>
+        </p:nvPicPr>
+        <p:blipFill>
+          <a:blip r:embed="rId4">
+            <a:lum bright="70000" contrast="-70000"/>
+            <a:extLst>
+              <a:ext uri="{28A0092B-C50C-407E-A947-70E740481C1C}">
+                <a14:useLocalDpi xmlns:a14="http://schemas.microsoft.com/office/drawing/2010/main" val="0"/>
+              </a:ext>
+            </a:extLst>
+          </a:blip>
+          <a:srcRect/>
+          <a:stretch>
+            <a:fillRect/>
+          </a:stretch>
+        </p:blipFill>
+        <p:spPr bwMode="auto">
+          <a:xfrm>
+            <a:off x="-3403639" y="45477"/>
+            <a:ext cx="6750129" cy="6767046"/>
+          </a:xfrm>
+          <a:prstGeom prst="rect">
+            <a:avLst/>
+          </a:prstGeom>
+          <a:noFill/>
+          <a:extLst>
+            <a:ext uri="{909E8E84-426E-40DD-AFC4-6F175D3DCCD1}">
+              <a14:hiddenFill xmlns:a14="http://schemas.microsoft.com/office/drawing/2010/main">
+                <a:solidFill>
+                  <a:srgbClr val="FFFFFF"/>
+                </a:solidFill>
+              </a14:hiddenFill>
+            </a:ext>
+          </a:extLst>
+        </p:spPr>
+      </p:pic>
+      <p:sp>
+        <p:nvSpPr>
+          <p:cNvPr id="2" name="1 Título"/>
+          <p:cNvSpPr>
+            <a:spLocks noGrp="1"/>
+          </p:cNvSpPr>
+          <p:nvPr>
+            <p:ph type="title"/>
+          </p:nvPr>
+        </p:nvSpPr>
+        <p:spPr>
+          <a:xfrm>
+            <a:off x="-685800" y="221632"/>
+            <a:ext cx="10515600" cy="1325563"/>
+          </a:xfrm>
+        </p:spPr>
+        <p:txBody>
+          <a:bodyPr>
+            <a:normAutofit/>
+          </a:bodyPr>
+          <a:lstStyle/>
+          <a:p>
+            <a:pPr algn="ctr"/>
+            <a:r>
+              <a:rPr lang="es-ES" b="1" dirty="0">
+                <a:solidFill>
+                  <a:srgbClr val="0070C0"/>
+                </a:solidFill>
+              </a:rPr>
+              <a:t>Conclusiones</a:t>
+            </a:r>
+            <a:endParaRPr lang="es-ES" b="1" dirty="0"/>
+          </a:p>
+        </p:txBody>
+      </p:sp>
+      <p:sp>
+        <p:nvSpPr>
+          <p:cNvPr id="3" name="2 Marcador de contenido"/>
+          <p:cNvSpPr>
+            <a:spLocks noGrp="1"/>
+          </p:cNvSpPr>
+          <p:nvPr>
+            <p:ph idx="1"/>
+          </p:nvPr>
+        </p:nvSpPr>
+        <p:spPr>
+          <a:xfrm>
+            <a:off x="628650" y="3490031"/>
+            <a:ext cx="7886700" cy="2526137"/>
+          </a:xfrm>
+        </p:spPr>
+        <p:txBody>
+          <a:bodyPr>
+            <a:normAutofit/>
+          </a:bodyPr>
+          <a:lstStyle/>
+          <a:p>
+            <a:pPr marL="0" indent="0" algn="ctr">
+              <a:lnSpc>
+                <a:spcPct val="150000"/>
+              </a:lnSpc>
+              <a:buNone/>
+            </a:pPr>
+            <a:r>
+              <a:rPr lang="es-ES" b="1" dirty="0">
+                <a:solidFill>
+                  <a:schemeClr val="accent1">
+                    <a:lumMod val="60000"/>
+                    <a:lumOff val="40000"/>
+                  </a:schemeClr>
+                </a:solidFill>
+              </a:rPr>
+              <a:t>Subobjetivos</a:t>
+            </a:r>
+          </a:p>
+          <a:p>
+            <a:pPr>
+              <a:lnSpc>
+                <a:spcPct val="100000"/>
+              </a:lnSpc>
+              <a:buFont typeface="Wingdings" panose="05000000000000000000" pitchFamily="2" charset="2"/>
+              <a:buChar char="§"/>
+            </a:pPr>
+            <a:r>
+              <a:rPr lang="es-ES" sz="2000" dirty="0"/>
+              <a:t>Adaptación e integración de componentes y herramientas </a:t>
+            </a:r>
+          </a:p>
+          <a:p>
+            <a:pPr>
+              <a:lnSpc>
+                <a:spcPct val="150000"/>
+              </a:lnSpc>
+              <a:buFont typeface="Wingdings" panose="05000000000000000000" pitchFamily="2" charset="2"/>
+              <a:buChar char="§"/>
+            </a:pPr>
+            <a:r>
+              <a:rPr lang="es-ES" sz="2000" dirty="0"/>
+              <a:t>Desarrollo del algoritmo de navegación</a:t>
+            </a:r>
+          </a:p>
+          <a:p>
+            <a:pPr>
+              <a:lnSpc>
+                <a:spcPct val="150000"/>
+              </a:lnSpc>
+              <a:buFont typeface="Wingdings" panose="05000000000000000000" pitchFamily="2" charset="2"/>
+              <a:buChar char="§"/>
+            </a:pPr>
+            <a:r>
+              <a:rPr lang="es-ES" sz="2000" dirty="0"/>
+              <a:t>Validación experimental en entorno simulado</a:t>
+            </a:r>
+          </a:p>
+        </p:txBody>
+      </p:sp>
+      <p:cxnSp>
+        <p:nvCxnSpPr>
+          <p:cNvPr id="7" name="6 Conector recto"/>
+          <p:cNvCxnSpPr>
+            <a:cxnSpLocks/>
+          </p:cNvCxnSpPr>
+          <p:nvPr/>
+        </p:nvCxnSpPr>
+        <p:spPr>
+          <a:xfrm>
+            <a:off x="628650" y="1268760"/>
+            <a:ext cx="7886700" cy="0"/>
+          </a:xfrm>
+          <a:prstGeom prst="line">
+            <a:avLst/>
+          </a:prstGeom>
+        </p:spPr>
+        <p:style>
+          <a:lnRef idx="1">
+            <a:schemeClr val="dk1"/>
+          </a:lnRef>
+          <a:fillRef idx="0">
+            <a:schemeClr val="dk1"/>
+          </a:fillRef>
+          <a:effectRef idx="0">
+            <a:schemeClr val="dk1"/>
+          </a:effectRef>
+          <a:fontRef idx="minor">
+            <a:schemeClr val="tx1"/>
+          </a:fontRef>
+        </p:style>
+      </p:cxnSp>
+      <p:pic>
+        <p:nvPicPr>
+          <p:cNvPr id="8" name="7 Imagen"/>
+          <p:cNvPicPr>
+            <a:picLocks noChangeAspect="1"/>
+          </p:cNvPicPr>
+          <p:nvPr/>
+        </p:nvPicPr>
+        <p:blipFill>
+          <a:blip r:embed="rId5">
+            <a:extLst>
+              <a:ext uri="{28A0092B-C50C-407E-A947-70E740481C1C}">
+                <a14:useLocalDpi xmlns:a14="http://schemas.microsoft.com/office/drawing/2010/main" val="0"/>
+              </a:ext>
+            </a:extLst>
+          </a:blip>
+          <a:stretch>
+            <a:fillRect/>
+          </a:stretch>
+        </p:blipFill>
+        <p:spPr>
+          <a:xfrm>
+            <a:off x="628650" y="438469"/>
+            <a:ext cx="580384" cy="749427"/>
+          </a:xfrm>
+          <a:prstGeom prst="rect">
+            <a:avLst/>
+          </a:prstGeom>
+        </p:spPr>
+      </p:pic>
+      <p:pic>
+        <p:nvPicPr>
+          <p:cNvPr id="9" name="8 Imagen"/>
+          <p:cNvPicPr>
+            <a:picLocks noChangeAspect="1"/>
+          </p:cNvPicPr>
+          <p:nvPr/>
+        </p:nvPicPr>
+        <p:blipFill>
+          <a:blip r:embed="rId6" cstate="print">
+            <a:extLst>
+              <a:ext uri="{28A0092B-C50C-407E-A947-70E740481C1C}">
+                <a14:useLocalDpi xmlns:a14="http://schemas.microsoft.com/office/drawing/2010/main" val="0"/>
+              </a:ext>
+            </a:extLst>
+          </a:blip>
+          <a:stretch>
+            <a:fillRect/>
+          </a:stretch>
+        </p:blipFill>
+        <p:spPr>
+          <a:xfrm>
+            <a:off x="7151066" y="505140"/>
+            <a:ext cx="1364284" cy="601891"/>
+          </a:xfrm>
+          <a:prstGeom prst="rect">
+            <a:avLst/>
+          </a:prstGeom>
+        </p:spPr>
+      </p:pic>
+      <p:pic>
+        <p:nvPicPr>
+          <p:cNvPr id="10" name="Imagen 9">
+            <a:extLst>
+              <a:ext uri="{FF2B5EF4-FFF2-40B4-BE49-F238E27FC236}">
+                <a16:creationId xmlns:a16="http://schemas.microsoft.com/office/drawing/2014/main" id="{C07D8E3D-8223-4A6D-A674-3F7F2939384F}"/>
+              </a:ext>
+            </a:extLst>
+          </p:cNvPr>
+          <p:cNvPicPr>
+            <a:picLocks noChangeAspect="1"/>
+          </p:cNvPicPr>
+          <p:nvPr/>
+        </p:nvPicPr>
+        <p:blipFill>
+          <a:blip r:embed="rId7"/>
           <a:stretch>
             <a:fillRect/>
           </a:stretch>
@@ -5854,7 +8370,7 @@
 </p:sld>
 </file>
 
-<file path=ppt/slides/slide13.xml><?xml version="1.0" encoding="utf-8"?>
+<file path=ppt/slides/slide17.xml><?xml version="1.0" encoding="utf-8"?>
 <p:sld xmlns:a="http://schemas.openxmlformats.org/drawingml/2006/main" xmlns:r="http://schemas.openxmlformats.org/officeDocument/2006/relationships" xmlns:p="http://schemas.openxmlformats.org/presentationml/2006/main">
   <p:cSld>
     <p:spTree>
@@ -5871,6 +8387,55 @@
           <a:chExt cx="0" cy="0"/>
         </a:xfrm>
       </p:grpSpPr>
+      <p:pic>
+        <p:nvPicPr>
+          <p:cNvPr id="12" name="Picture 2" descr="Resultado de imagen de simbolo drone">
+            <a:hlinkClick r:id="rId3"/>
+            <a:extLst>
+              <a:ext uri="{FF2B5EF4-FFF2-40B4-BE49-F238E27FC236}">
+                <a16:creationId xmlns:a16="http://schemas.microsoft.com/office/drawing/2014/main" id="{694E0BDC-D3B3-4BF4-809F-613E02BD4436}"/>
+              </a:ext>
+            </a:extLst>
+          </p:cNvPr>
+          <p:cNvPicPr>
+            <a:picLocks noChangeAspect="1" noChangeArrowheads="1"/>
+          </p:cNvPicPr>
+          <p:nvPr/>
+        </p:nvPicPr>
+        <p:blipFill>
+          <a:blip r:embed="rId4">
+            <a:lum bright="70000" contrast="-70000"/>
+            <a:extLst>
+              <a:ext uri="{28A0092B-C50C-407E-A947-70E740481C1C}">
+                <a14:useLocalDpi xmlns:a14="http://schemas.microsoft.com/office/drawing/2010/main" val="0"/>
+              </a:ext>
+            </a:extLst>
+          </a:blip>
+          <a:srcRect/>
+          <a:stretch>
+            <a:fillRect/>
+          </a:stretch>
+        </p:blipFill>
+        <p:spPr bwMode="auto">
+          <a:xfrm>
+            <a:off x="-3403639" y="45477"/>
+            <a:ext cx="6750129" cy="6767046"/>
+          </a:xfrm>
+          <a:prstGeom prst="rect">
+            <a:avLst/>
+          </a:prstGeom>
+          <a:noFill/>
+          <a:extLst>
+            <a:ext uri="{909E8E84-426E-40DD-AFC4-6F175D3DCCD1}">
+              <a14:hiddenFill xmlns:a14="http://schemas.microsoft.com/office/drawing/2010/main">
+                <a:solidFill>
+                  <a:srgbClr val="FFFFFF"/>
+                </a:solidFill>
+              </a14:hiddenFill>
+            </a:ext>
+          </a:extLst>
+        </p:spPr>
+      </p:pic>
       <p:sp>
         <p:nvSpPr>
           <p:cNvPr id="2" name="1 Título"/>
@@ -6019,7 +8584,7 @@
           <p:nvPr/>
         </p:nvPicPr>
         <p:blipFill>
-          <a:blip r:embed="rId3">
+          <a:blip r:embed="rId5">
             <a:extLst>
               <a:ext uri="{28A0092B-C50C-407E-A947-70E740481C1C}">
                 <a14:useLocalDpi xmlns:a14="http://schemas.microsoft.com/office/drawing/2010/main" val="0"/>
@@ -6049,7 +8614,7 @@
           <p:nvPr/>
         </p:nvPicPr>
         <p:blipFill>
-          <a:blip r:embed="rId4" cstate="print">
+          <a:blip r:embed="rId6" cstate="print">
             <a:extLst>
               <a:ext uri="{28A0092B-C50C-407E-A947-70E740481C1C}">
                 <a14:useLocalDpi xmlns:a14="http://schemas.microsoft.com/office/drawing/2010/main" val="0"/>
@@ -6085,7 +8650,7 @@
           <p:nvPr/>
         </p:nvPicPr>
         <p:blipFill>
-          <a:blip r:embed="rId5"/>
+          <a:blip r:embed="rId7"/>
           <a:stretch>
             <a:fillRect/>
           </a:stretch>
@@ -6226,6 +8791,55 @@
           <a:chExt cx="0" cy="0"/>
         </a:xfrm>
       </p:grpSpPr>
+      <p:pic>
+        <p:nvPicPr>
+          <p:cNvPr id="1026" name="Picture 2" descr="Resultado de imagen de simbolo drone">
+            <a:hlinkClick r:id="rId3"/>
+            <a:extLst>
+              <a:ext uri="{FF2B5EF4-FFF2-40B4-BE49-F238E27FC236}">
+                <a16:creationId xmlns:a16="http://schemas.microsoft.com/office/drawing/2014/main" id="{E1CA1509-951A-490F-BC91-90FF8C554A0B}"/>
+              </a:ext>
+            </a:extLst>
+          </p:cNvPr>
+          <p:cNvPicPr>
+            <a:picLocks noChangeAspect="1" noChangeArrowheads="1"/>
+          </p:cNvPicPr>
+          <p:nvPr/>
+        </p:nvPicPr>
+        <p:blipFill>
+          <a:blip r:embed="rId4">
+            <a:lum bright="70000" contrast="-70000"/>
+            <a:extLst>
+              <a:ext uri="{28A0092B-C50C-407E-A947-70E740481C1C}">
+                <a14:useLocalDpi xmlns:a14="http://schemas.microsoft.com/office/drawing/2010/main" val="0"/>
+              </a:ext>
+            </a:extLst>
+          </a:blip>
+          <a:srcRect/>
+          <a:stretch>
+            <a:fillRect/>
+          </a:stretch>
+        </p:blipFill>
+        <p:spPr bwMode="auto">
+          <a:xfrm>
+            <a:off x="-3403639" y="45477"/>
+            <a:ext cx="6750129" cy="6767046"/>
+          </a:xfrm>
+          <a:prstGeom prst="rect">
+            <a:avLst/>
+          </a:prstGeom>
+          <a:noFill/>
+          <a:extLst>
+            <a:ext uri="{909E8E84-426E-40DD-AFC4-6F175D3DCCD1}">
+              <a14:hiddenFill xmlns:a14="http://schemas.microsoft.com/office/drawing/2010/main">
+                <a:solidFill>
+                  <a:srgbClr val="FFFFFF"/>
+                </a:solidFill>
+              </a14:hiddenFill>
+            </a:ext>
+          </a:extLst>
+        </p:spPr>
+      </p:pic>
       <p:sp>
         <p:nvSpPr>
           <p:cNvPr id="2" name="1 Título"/>
@@ -6403,7 +9017,7 @@
           <p:nvPr/>
         </p:nvPicPr>
         <p:blipFill>
-          <a:blip r:embed="rId3">
+          <a:blip r:embed="rId5">
             <a:extLst>
               <a:ext uri="{28A0092B-C50C-407E-A947-70E740481C1C}">
                 <a14:useLocalDpi xmlns:a14="http://schemas.microsoft.com/office/drawing/2010/main" val="0"/>
@@ -6433,7 +9047,7 @@
           <p:nvPr/>
         </p:nvPicPr>
         <p:blipFill>
-          <a:blip r:embed="rId4" cstate="print">
+          <a:blip r:embed="rId6" cstate="print">
             <a:extLst>
               <a:ext uri="{28A0092B-C50C-407E-A947-70E740481C1C}">
                 <a14:useLocalDpi xmlns:a14="http://schemas.microsoft.com/office/drawing/2010/main" val="0"/>
@@ -6469,7 +9083,7 @@
           <p:nvPr/>
         </p:nvPicPr>
         <p:blipFill>
-          <a:blip r:embed="rId5"/>
+          <a:blip r:embed="rId7"/>
           <a:stretch>
             <a:fillRect/>
           </a:stretch>
@@ -6610,6 +9224,55 @@
           <a:chExt cx="0" cy="0"/>
         </a:xfrm>
       </p:grpSpPr>
+      <p:pic>
+        <p:nvPicPr>
+          <p:cNvPr id="14" name="Picture 2" descr="Resultado de imagen de simbolo drone">
+            <a:hlinkClick r:id="rId3"/>
+            <a:extLst>
+              <a:ext uri="{FF2B5EF4-FFF2-40B4-BE49-F238E27FC236}">
+                <a16:creationId xmlns:a16="http://schemas.microsoft.com/office/drawing/2014/main" id="{002504AE-D500-4D87-9E20-F7C511486349}"/>
+              </a:ext>
+            </a:extLst>
+          </p:cNvPr>
+          <p:cNvPicPr>
+            <a:picLocks noChangeAspect="1" noChangeArrowheads="1"/>
+          </p:cNvPicPr>
+          <p:nvPr/>
+        </p:nvPicPr>
+        <p:blipFill>
+          <a:blip r:embed="rId4">
+            <a:lum bright="70000" contrast="-70000"/>
+            <a:extLst>
+              <a:ext uri="{28A0092B-C50C-407E-A947-70E740481C1C}">
+                <a14:useLocalDpi xmlns:a14="http://schemas.microsoft.com/office/drawing/2010/main" val="0"/>
+              </a:ext>
+            </a:extLst>
+          </a:blip>
+          <a:srcRect/>
+          <a:stretch>
+            <a:fillRect/>
+          </a:stretch>
+        </p:blipFill>
+        <p:spPr bwMode="auto">
+          <a:xfrm>
+            <a:off x="-3403639" y="45477"/>
+            <a:ext cx="6750129" cy="6767046"/>
+          </a:xfrm>
+          <a:prstGeom prst="rect">
+            <a:avLst/>
+          </a:prstGeom>
+          <a:noFill/>
+          <a:extLst>
+            <a:ext uri="{909E8E84-426E-40DD-AFC4-6F175D3DCCD1}">
+              <a14:hiddenFill xmlns:a14="http://schemas.microsoft.com/office/drawing/2010/main">
+                <a:solidFill>
+                  <a:srgbClr val="FFFFFF"/>
+                </a:solidFill>
+              </a14:hiddenFill>
+            </a:ext>
+          </a:extLst>
+        </p:spPr>
+      </p:pic>
       <p:sp>
         <p:nvSpPr>
           <p:cNvPr id="2" name="1 Título"/>
@@ -6761,7 +9424,7 @@
           <p:nvPr/>
         </p:nvPicPr>
         <p:blipFill>
-          <a:blip r:embed="rId3">
+          <a:blip r:embed="rId5">
             <a:extLst>
               <a:ext uri="{28A0092B-C50C-407E-A947-70E740481C1C}">
                 <a14:useLocalDpi xmlns:a14="http://schemas.microsoft.com/office/drawing/2010/main" val="0"/>
@@ -6791,7 +9454,7 @@
           <p:nvPr/>
         </p:nvPicPr>
         <p:blipFill>
-          <a:blip r:embed="rId4" cstate="print">
+          <a:blip r:embed="rId6" cstate="print">
             <a:extLst>
               <a:ext uri="{28A0092B-C50C-407E-A947-70E740481C1C}">
                 <a14:useLocalDpi xmlns:a14="http://schemas.microsoft.com/office/drawing/2010/main" val="0"/>
@@ -6827,7 +9490,7 @@
           <p:nvPr/>
         </p:nvPicPr>
         <p:blipFill>
-          <a:blip r:embed="rId5"/>
+          <a:blip r:embed="rId7"/>
           <a:stretch>
             <a:fillRect/>
           </a:stretch>
@@ -6968,6 +9631,55 @@
           <a:chExt cx="0" cy="0"/>
         </a:xfrm>
       </p:grpSpPr>
+      <p:pic>
+        <p:nvPicPr>
+          <p:cNvPr id="15" name="Picture 2" descr="Resultado de imagen de simbolo drone">
+            <a:hlinkClick r:id="rId3"/>
+            <a:extLst>
+              <a:ext uri="{FF2B5EF4-FFF2-40B4-BE49-F238E27FC236}">
+                <a16:creationId xmlns:a16="http://schemas.microsoft.com/office/drawing/2014/main" id="{C9DE750A-301D-4592-9237-64B122973176}"/>
+              </a:ext>
+            </a:extLst>
+          </p:cNvPr>
+          <p:cNvPicPr>
+            <a:picLocks noChangeAspect="1" noChangeArrowheads="1"/>
+          </p:cNvPicPr>
+          <p:nvPr/>
+        </p:nvPicPr>
+        <p:blipFill>
+          <a:blip r:embed="rId4">
+            <a:lum bright="70000" contrast="-70000"/>
+            <a:extLst>
+              <a:ext uri="{28A0092B-C50C-407E-A947-70E740481C1C}">
+                <a14:useLocalDpi xmlns:a14="http://schemas.microsoft.com/office/drawing/2010/main" val="0"/>
+              </a:ext>
+            </a:extLst>
+          </a:blip>
+          <a:srcRect/>
+          <a:stretch>
+            <a:fillRect/>
+          </a:stretch>
+        </p:blipFill>
+        <p:spPr bwMode="auto">
+          <a:xfrm>
+            <a:off x="-3403639" y="45477"/>
+            <a:ext cx="6750129" cy="6767046"/>
+          </a:xfrm>
+          <a:prstGeom prst="rect">
+            <a:avLst/>
+          </a:prstGeom>
+          <a:noFill/>
+          <a:extLst>
+            <a:ext uri="{909E8E84-426E-40DD-AFC4-6F175D3DCCD1}">
+              <a14:hiddenFill xmlns:a14="http://schemas.microsoft.com/office/drawing/2010/main">
+                <a:solidFill>
+                  <a:srgbClr val="FFFFFF"/>
+                </a:solidFill>
+              </a14:hiddenFill>
+            </a:ext>
+          </a:extLst>
+        </p:spPr>
+      </p:pic>
       <p:sp>
         <p:nvSpPr>
           <p:cNvPr id="2" name="1 Título"/>
@@ -7125,7 +9837,7 @@
           <p:nvPr/>
         </p:nvPicPr>
         <p:blipFill>
-          <a:blip r:embed="rId3">
+          <a:blip r:embed="rId5">
             <a:extLst>
               <a:ext uri="{28A0092B-C50C-407E-A947-70E740481C1C}">
                 <a14:useLocalDpi xmlns:a14="http://schemas.microsoft.com/office/drawing/2010/main" val="0"/>
@@ -7155,7 +9867,7 @@
           <p:nvPr/>
         </p:nvPicPr>
         <p:blipFill>
-          <a:blip r:embed="rId4" cstate="print">
+          <a:blip r:embed="rId6" cstate="print">
             <a:extLst>
               <a:ext uri="{28A0092B-C50C-407E-A947-70E740481C1C}">
                 <a14:useLocalDpi xmlns:a14="http://schemas.microsoft.com/office/drawing/2010/main" val="0"/>
@@ -7191,7 +9903,7 @@
           <p:nvPr/>
         </p:nvPicPr>
         <p:blipFill>
-          <a:blip r:embed="rId5"/>
+          <a:blip r:embed="rId7"/>
           <a:stretch>
             <a:fillRect/>
           </a:stretch>
@@ -7534,6 +10246,55 @@
           <a:chExt cx="0" cy="0"/>
         </a:xfrm>
       </p:grpSpPr>
+      <p:pic>
+        <p:nvPicPr>
+          <p:cNvPr id="14" name="Picture 2" descr="Resultado de imagen de simbolo drone">
+            <a:hlinkClick r:id="rId3"/>
+            <a:extLst>
+              <a:ext uri="{FF2B5EF4-FFF2-40B4-BE49-F238E27FC236}">
+                <a16:creationId xmlns:a16="http://schemas.microsoft.com/office/drawing/2014/main" id="{06E01517-829C-4461-9005-83F122BD5B60}"/>
+              </a:ext>
+            </a:extLst>
+          </p:cNvPr>
+          <p:cNvPicPr>
+            <a:picLocks noChangeAspect="1" noChangeArrowheads="1"/>
+          </p:cNvPicPr>
+          <p:nvPr/>
+        </p:nvPicPr>
+        <p:blipFill>
+          <a:blip r:embed="rId4">
+            <a:lum bright="70000" contrast="-70000"/>
+            <a:extLst>
+              <a:ext uri="{28A0092B-C50C-407E-A947-70E740481C1C}">
+                <a14:useLocalDpi xmlns:a14="http://schemas.microsoft.com/office/drawing/2010/main" val="0"/>
+              </a:ext>
+            </a:extLst>
+          </a:blip>
+          <a:srcRect/>
+          <a:stretch>
+            <a:fillRect/>
+          </a:stretch>
+        </p:blipFill>
+        <p:spPr bwMode="auto">
+          <a:xfrm>
+            <a:off x="-3403639" y="45477"/>
+            <a:ext cx="6750129" cy="6767046"/>
+          </a:xfrm>
+          <a:prstGeom prst="rect">
+            <a:avLst/>
+          </a:prstGeom>
+          <a:noFill/>
+          <a:extLst>
+            <a:ext uri="{909E8E84-426E-40DD-AFC4-6F175D3DCCD1}">
+              <a14:hiddenFill xmlns:a14="http://schemas.microsoft.com/office/drawing/2010/main">
+                <a:solidFill>
+                  <a:srgbClr val="FFFFFF"/>
+                </a:solidFill>
+              </a14:hiddenFill>
+            </a:ext>
+          </a:extLst>
+        </p:spPr>
+      </p:pic>
       <p:sp>
         <p:nvSpPr>
           <p:cNvPr id="2" name="1 Título"/>
@@ -7731,7 +10492,7 @@
           <p:nvPr/>
         </p:nvPicPr>
         <p:blipFill>
-          <a:blip r:embed="rId3">
+          <a:blip r:embed="rId5">
             <a:extLst>
               <a:ext uri="{28A0092B-C50C-407E-A947-70E740481C1C}">
                 <a14:useLocalDpi xmlns:a14="http://schemas.microsoft.com/office/drawing/2010/main" val="0"/>
@@ -7761,7 +10522,7 @@
           <p:nvPr/>
         </p:nvPicPr>
         <p:blipFill>
-          <a:blip r:embed="rId4" cstate="print">
+          <a:blip r:embed="rId6" cstate="print">
             <a:extLst>
               <a:ext uri="{28A0092B-C50C-407E-A947-70E740481C1C}">
                 <a14:useLocalDpi xmlns:a14="http://schemas.microsoft.com/office/drawing/2010/main" val="0"/>
@@ -7797,7 +10558,7 @@
           <p:nvPr/>
         </p:nvPicPr>
         <p:blipFill>
-          <a:blip r:embed="rId5"/>
+          <a:blip r:embed="rId7"/>
           <a:stretch>
             <a:fillRect/>
           </a:stretch>
@@ -7938,6 +10699,55 @@
           <a:chExt cx="0" cy="0"/>
         </a:xfrm>
       </p:grpSpPr>
+      <p:pic>
+        <p:nvPicPr>
+          <p:cNvPr id="14" name="Picture 2" descr="Resultado de imagen de simbolo drone">
+            <a:hlinkClick r:id="rId3"/>
+            <a:extLst>
+              <a:ext uri="{FF2B5EF4-FFF2-40B4-BE49-F238E27FC236}">
+                <a16:creationId xmlns:a16="http://schemas.microsoft.com/office/drawing/2014/main" id="{FE9F15F1-46CB-4A59-B672-4B19C597AE40}"/>
+              </a:ext>
+            </a:extLst>
+          </p:cNvPr>
+          <p:cNvPicPr>
+            <a:picLocks noChangeAspect="1" noChangeArrowheads="1"/>
+          </p:cNvPicPr>
+          <p:nvPr/>
+        </p:nvPicPr>
+        <p:blipFill>
+          <a:blip r:embed="rId4">
+            <a:lum bright="70000" contrast="-70000"/>
+            <a:extLst>
+              <a:ext uri="{28A0092B-C50C-407E-A947-70E740481C1C}">
+                <a14:useLocalDpi xmlns:a14="http://schemas.microsoft.com/office/drawing/2010/main" val="0"/>
+              </a:ext>
+            </a:extLst>
+          </a:blip>
+          <a:srcRect/>
+          <a:stretch>
+            <a:fillRect/>
+          </a:stretch>
+        </p:blipFill>
+        <p:spPr bwMode="auto">
+          <a:xfrm>
+            <a:off x="-3403639" y="45477"/>
+            <a:ext cx="6750129" cy="6767046"/>
+          </a:xfrm>
+          <a:prstGeom prst="rect">
+            <a:avLst/>
+          </a:prstGeom>
+          <a:noFill/>
+          <a:extLst>
+            <a:ext uri="{909E8E84-426E-40DD-AFC4-6F175D3DCCD1}">
+              <a14:hiddenFill xmlns:a14="http://schemas.microsoft.com/office/drawing/2010/main">
+                <a:solidFill>
+                  <a:srgbClr val="FFFFFF"/>
+                </a:solidFill>
+              </a14:hiddenFill>
+            </a:ext>
+          </a:extLst>
+        </p:spPr>
+      </p:pic>
       <p:sp>
         <p:nvSpPr>
           <p:cNvPr id="2" name="1 Título"/>
@@ -8056,7 +10866,7 @@
           <p:nvPr/>
         </p:nvPicPr>
         <p:blipFill>
-          <a:blip r:embed="rId3">
+          <a:blip r:embed="rId5">
             <a:extLst>
               <a:ext uri="{28A0092B-C50C-407E-A947-70E740481C1C}">
                 <a14:useLocalDpi xmlns:a14="http://schemas.microsoft.com/office/drawing/2010/main" val="0"/>
@@ -8086,7 +10896,7 @@
           <p:nvPr/>
         </p:nvPicPr>
         <p:blipFill>
-          <a:blip r:embed="rId4" cstate="print">
+          <a:blip r:embed="rId6" cstate="print">
             <a:extLst>
               <a:ext uri="{28A0092B-C50C-407E-A947-70E740481C1C}">
                 <a14:useLocalDpi xmlns:a14="http://schemas.microsoft.com/office/drawing/2010/main" val="0"/>
@@ -8122,7 +10932,7 @@
           <p:nvPr/>
         </p:nvPicPr>
         <p:blipFill>
-          <a:blip r:embed="rId5"/>
+          <a:blip r:embed="rId7"/>
           <a:stretch>
             <a:fillRect/>
           </a:stretch>
@@ -8152,7 +10962,7 @@
           <p:nvPr/>
         </p:nvPicPr>
         <p:blipFill>
-          <a:blip r:embed="rId6">
+          <a:blip r:embed="rId8">
             <a:extLst>
               <a:ext uri="{28A0092B-C50C-407E-A947-70E740481C1C}">
                 <a14:useLocalDpi xmlns:a14="http://schemas.microsoft.com/office/drawing/2010/main" val="0"/>
@@ -8299,6 +11109,55 @@
           <a:chExt cx="0" cy="0"/>
         </a:xfrm>
       </p:grpSpPr>
+      <p:pic>
+        <p:nvPicPr>
+          <p:cNvPr id="14" name="Picture 2" descr="Resultado de imagen de simbolo drone">
+            <a:hlinkClick r:id="rId3"/>
+            <a:extLst>
+              <a:ext uri="{FF2B5EF4-FFF2-40B4-BE49-F238E27FC236}">
+                <a16:creationId xmlns:a16="http://schemas.microsoft.com/office/drawing/2014/main" id="{41769FF0-7A96-4BEC-8B63-92D8526AD2B2}"/>
+              </a:ext>
+            </a:extLst>
+          </p:cNvPr>
+          <p:cNvPicPr>
+            <a:picLocks noChangeAspect="1" noChangeArrowheads="1"/>
+          </p:cNvPicPr>
+          <p:nvPr/>
+        </p:nvPicPr>
+        <p:blipFill>
+          <a:blip r:embed="rId4">
+            <a:lum bright="70000" contrast="-70000"/>
+            <a:extLst>
+              <a:ext uri="{28A0092B-C50C-407E-A947-70E740481C1C}">
+                <a14:useLocalDpi xmlns:a14="http://schemas.microsoft.com/office/drawing/2010/main" val="0"/>
+              </a:ext>
+            </a:extLst>
+          </a:blip>
+          <a:srcRect/>
+          <a:stretch>
+            <a:fillRect/>
+          </a:stretch>
+        </p:blipFill>
+        <p:spPr bwMode="auto">
+          <a:xfrm>
+            <a:off x="-3403639" y="45477"/>
+            <a:ext cx="6750129" cy="6767046"/>
+          </a:xfrm>
+          <a:prstGeom prst="rect">
+            <a:avLst/>
+          </a:prstGeom>
+          <a:noFill/>
+          <a:extLst>
+            <a:ext uri="{909E8E84-426E-40DD-AFC4-6F175D3DCCD1}">
+              <a14:hiddenFill xmlns:a14="http://schemas.microsoft.com/office/drawing/2010/main">
+                <a:solidFill>
+                  <a:srgbClr val="FFFFFF"/>
+                </a:solidFill>
+              </a14:hiddenFill>
+            </a:ext>
+          </a:extLst>
+        </p:spPr>
+      </p:pic>
       <p:sp>
         <p:nvSpPr>
           <p:cNvPr id="2" name="1 Título"/>
@@ -8450,7 +11309,7 @@
           <p:nvPr/>
         </p:nvPicPr>
         <p:blipFill>
-          <a:blip r:embed="rId3">
+          <a:blip r:embed="rId5">
             <a:extLst>
               <a:ext uri="{28A0092B-C50C-407E-A947-70E740481C1C}">
                 <a14:useLocalDpi xmlns:a14="http://schemas.microsoft.com/office/drawing/2010/main" val="0"/>
@@ -8480,7 +11339,7 @@
           <p:nvPr/>
         </p:nvPicPr>
         <p:blipFill>
-          <a:blip r:embed="rId4" cstate="print">
+          <a:blip r:embed="rId6" cstate="print">
             <a:extLst>
               <a:ext uri="{28A0092B-C50C-407E-A947-70E740481C1C}">
                 <a14:useLocalDpi xmlns:a14="http://schemas.microsoft.com/office/drawing/2010/main" val="0"/>
@@ -8516,7 +11375,7 @@
           <p:nvPr/>
         </p:nvPicPr>
         <p:blipFill>
-          <a:blip r:embed="rId5"/>
+          <a:blip r:embed="rId7"/>
           <a:stretch>
             <a:fillRect/>
           </a:stretch>
@@ -8657,6 +11516,55 @@
           <a:chExt cx="0" cy="0"/>
         </a:xfrm>
       </p:grpSpPr>
+      <p:pic>
+        <p:nvPicPr>
+          <p:cNvPr id="12" name="Picture 2" descr="Resultado de imagen de simbolo drone">
+            <a:hlinkClick r:id="rId3"/>
+            <a:extLst>
+              <a:ext uri="{FF2B5EF4-FFF2-40B4-BE49-F238E27FC236}">
+                <a16:creationId xmlns:a16="http://schemas.microsoft.com/office/drawing/2014/main" id="{DF222731-7944-4B08-B45D-7340BFB57AE0}"/>
+              </a:ext>
+            </a:extLst>
+          </p:cNvPr>
+          <p:cNvPicPr>
+            <a:picLocks noChangeAspect="1" noChangeArrowheads="1"/>
+          </p:cNvPicPr>
+          <p:nvPr/>
+        </p:nvPicPr>
+        <p:blipFill>
+          <a:blip r:embed="rId4">
+            <a:lum bright="70000" contrast="-70000"/>
+            <a:extLst>
+              <a:ext uri="{28A0092B-C50C-407E-A947-70E740481C1C}">
+                <a14:useLocalDpi xmlns:a14="http://schemas.microsoft.com/office/drawing/2010/main" val="0"/>
+              </a:ext>
+            </a:extLst>
+          </a:blip>
+          <a:srcRect/>
+          <a:stretch>
+            <a:fillRect/>
+          </a:stretch>
+        </p:blipFill>
+        <p:spPr bwMode="auto">
+          <a:xfrm>
+            <a:off x="-3403639" y="45477"/>
+            <a:ext cx="6750129" cy="6767046"/>
+          </a:xfrm>
+          <a:prstGeom prst="rect">
+            <a:avLst/>
+          </a:prstGeom>
+          <a:noFill/>
+          <a:extLst>
+            <a:ext uri="{909E8E84-426E-40DD-AFC4-6F175D3DCCD1}">
+              <a14:hiddenFill xmlns:a14="http://schemas.microsoft.com/office/drawing/2010/main">
+                <a:solidFill>
+                  <a:srgbClr val="FFFFFF"/>
+                </a:solidFill>
+              </a14:hiddenFill>
+            </a:ext>
+          </a:extLst>
+        </p:spPr>
+      </p:pic>
       <p:sp>
         <p:nvSpPr>
           <p:cNvPr id="2" name="1 Título"/>
@@ -8775,7 +11683,7 @@
           <p:nvPr/>
         </p:nvPicPr>
         <p:blipFill>
-          <a:blip r:embed="rId3">
+          <a:blip r:embed="rId5">
             <a:extLst>
               <a:ext uri="{28A0092B-C50C-407E-A947-70E740481C1C}">
                 <a14:useLocalDpi xmlns:a14="http://schemas.microsoft.com/office/drawing/2010/main" val="0"/>
@@ -8805,7 +11713,7 @@
           <p:nvPr/>
         </p:nvPicPr>
         <p:blipFill>
-          <a:blip r:embed="rId4" cstate="print">
+          <a:blip r:embed="rId6" cstate="print">
             <a:extLst>
               <a:ext uri="{28A0092B-C50C-407E-A947-70E740481C1C}">
                 <a14:useLocalDpi xmlns:a14="http://schemas.microsoft.com/office/drawing/2010/main" val="0"/>
@@ -8841,7 +11749,7 @@
           <p:nvPr/>
         </p:nvPicPr>
         <p:blipFill>
-          <a:blip r:embed="rId5"/>
+          <a:blip r:embed="rId7"/>
           <a:stretch>
             <a:fillRect/>
           </a:stretch>
@@ -8909,7 +11817,7 @@
           <p:nvPr/>
         </p:nvPicPr>
         <p:blipFill>
-          <a:blip r:embed="rId6">
+          <a:blip r:embed="rId8">
             <a:extLst>
               <a:ext uri="{28A0092B-C50C-407E-A947-70E740481C1C}">
                 <a14:useLocalDpi xmlns:a14="http://schemas.microsoft.com/office/drawing/2010/main" val="0"/>
@@ -9018,6 +11926,91 @@
           <a:chExt cx="0" cy="0"/>
         </a:xfrm>
       </p:grpSpPr>
+      <p:pic>
+        <p:nvPicPr>
+          <p:cNvPr id="14" name="Imagen 13" descr="Imagen que contiene texto, mapa&#10;&#10;Descripción generada con confianza muy alta">
+            <a:extLst>
+              <a:ext uri="{FF2B5EF4-FFF2-40B4-BE49-F238E27FC236}">
+                <a16:creationId xmlns:a16="http://schemas.microsoft.com/office/drawing/2014/main" id="{F029C602-620F-4493-998A-747E201FE367}"/>
+              </a:ext>
+            </a:extLst>
+          </p:cNvPr>
+          <p:cNvPicPr>
+            <a:picLocks noChangeAspect="1"/>
+          </p:cNvPicPr>
+          <p:nvPr/>
+        </p:nvPicPr>
+        <p:blipFill>
+          <a:blip r:embed="rId3">
+            <a:extLst>
+              <a:ext uri="{28A0092B-C50C-407E-A947-70E740481C1C}">
+                <a14:useLocalDpi xmlns:a14="http://schemas.microsoft.com/office/drawing/2010/main" val="0"/>
+              </a:ext>
+            </a:extLst>
+          </a:blip>
+          <a:stretch>
+            <a:fillRect/>
+          </a:stretch>
+        </p:blipFill>
+        <p:spPr>
+          <a:xfrm>
+            <a:off x="3865488" y="3882887"/>
+            <a:ext cx="5403364" cy="2573219"/>
+          </a:xfrm>
+          <a:prstGeom prst="rect">
+            <a:avLst/>
+          </a:prstGeom>
+        </p:spPr>
+      </p:pic>
+      <p:pic>
+        <p:nvPicPr>
+          <p:cNvPr id="11" name="Picture 2" descr="Resultado de imagen de simbolo drone">
+            <a:hlinkClick r:id="rId4"/>
+            <a:extLst>
+              <a:ext uri="{FF2B5EF4-FFF2-40B4-BE49-F238E27FC236}">
+                <a16:creationId xmlns:a16="http://schemas.microsoft.com/office/drawing/2014/main" id="{0E126CC9-122C-4B38-BDE1-702D5A4AE34E}"/>
+              </a:ext>
+            </a:extLst>
+          </p:cNvPr>
+          <p:cNvPicPr>
+            <a:picLocks noChangeAspect="1" noChangeArrowheads="1"/>
+          </p:cNvPicPr>
+          <p:nvPr/>
+        </p:nvPicPr>
+        <p:blipFill>
+          <a:blip r:embed="rId5">
+            <a:lum bright="70000" contrast="-70000"/>
+            <a:extLst>
+              <a:ext uri="{28A0092B-C50C-407E-A947-70E740481C1C}">
+                <a14:useLocalDpi xmlns:a14="http://schemas.microsoft.com/office/drawing/2010/main" val="0"/>
+              </a:ext>
+            </a:extLst>
+          </a:blip>
+          <a:srcRect/>
+          <a:stretch>
+            <a:fillRect/>
+          </a:stretch>
+        </p:blipFill>
+        <p:spPr bwMode="auto">
+          <a:xfrm>
+            <a:off x="-3403639" y="45477"/>
+            <a:ext cx="6750129" cy="6767046"/>
+          </a:xfrm>
+          <a:prstGeom prst="rect">
+            <a:avLst/>
+          </a:prstGeom>
+          <a:noFill/>
+          <a:extLst>
+            <a:ext uri="{909E8E84-426E-40DD-AFC4-6F175D3DCCD1}">
+              <a14:hiddenFill xmlns:a14="http://schemas.microsoft.com/office/drawing/2010/main">
+                <a:solidFill>
+                  <a:srgbClr val="FFFFFF"/>
+                </a:solidFill>
+              </a14:hiddenFill>
+            </a:ext>
+          </a:extLst>
+        </p:spPr>
+      </p:pic>
       <p:sp>
         <p:nvSpPr>
           <p:cNvPr id="2" name="1 Título"/>
@@ -9130,7 +12123,7 @@
           <p:nvPr/>
         </p:nvPicPr>
         <p:blipFill>
-          <a:blip r:embed="rId3">
+          <a:blip r:embed="rId6">
             <a:extLst>
               <a:ext uri="{28A0092B-C50C-407E-A947-70E740481C1C}">
                 <a14:useLocalDpi xmlns:a14="http://schemas.microsoft.com/office/drawing/2010/main" val="0"/>
@@ -9160,7 +12153,7 @@
           <p:nvPr/>
         </p:nvPicPr>
         <p:blipFill>
-          <a:blip r:embed="rId4" cstate="print">
+          <a:blip r:embed="rId7" cstate="print">
             <a:extLst>
               <a:ext uri="{28A0092B-C50C-407E-A947-70E740481C1C}">
                 <a14:useLocalDpi xmlns:a14="http://schemas.microsoft.com/office/drawing/2010/main" val="0"/>
@@ -9196,7 +12189,7 @@
           <p:nvPr/>
         </p:nvPicPr>
         <p:blipFill>
-          <a:blip r:embed="rId5"/>
+          <a:blip r:embed="rId8"/>
           <a:stretch>
             <a:fillRect/>
           </a:stretch>
@@ -9307,6 +12300,42 @@
           </a:p>
         </p:txBody>
       </p:sp>
+      <p:pic>
+        <p:nvPicPr>
+          <p:cNvPr id="5" name="Imagen 4" descr="Imagen que contiene cielo&#10;&#10;Descripción generada con confianza muy alta">
+            <a:extLst>
+              <a:ext uri="{FF2B5EF4-FFF2-40B4-BE49-F238E27FC236}">
+                <a16:creationId xmlns:a16="http://schemas.microsoft.com/office/drawing/2014/main" id="{A5B95F27-032F-440B-9B35-3A65E052DE11}"/>
+              </a:ext>
+            </a:extLst>
+          </p:cNvPr>
+          <p:cNvPicPr>
+            <a:picLocks noChangeAspect="1"/>
+          </p:cNvPicPr>
+          <p:nvPr/>
+        </p:nvPicPr>
+        <p:blipFill>
+          <a:blip r:embed="rId9">
+            <a:extLst>
+              <a:ext uri="{28A0092B-C50C-407E-A947-70E740481C1C}">
+                <a14:useLocalDpi xmlns:a14="http://schemas.microsoft.com/office/drawing/2010/main" val="0"/>
+              </a:ext>
+            </a:extLst>
+          </a:blip>
+          <a:stretch>
+            <a:fillRect/>
+          </a:stretch>
+        </p:blipFill>
+        <p:spPr>
+          <a:xfrm>
+            <a:off x="145775" y="2168444"/>
+            <a:ext cx="4426225" cy="2693547"/>
+          </a:xfrm>
+          <a:prstGeom prst="rect">
+            <a:avLst/>
+          </a:prstGeom>
+        </p:spPr>
+      </p:pic>
     </p:spTree>
     <p:extLst>
       <p:ext uri="{BB962C8B-B14F-4D97-AF65-F5344CB8AC3E}">
